--- a/opd/фин-компас-презентация.pptx
+++ b/opd/фин-компас-презентация.pptx
@@ -7,25 +7,31 @@
     <p:sldMasterId id="2147483833" r:id="rId3"/>
   </p:sldMasterIdLst>
   <p:notesMasterIdLst>
-    <p:notesMasterId r:id="rId5"/>
+    <p:notesMasterId r:id="rId20"/>
   </p:notesMasterIdLst>
   <p:handoutMasterIdLst>
-    <p:handoutMasterId r:id="rId6"/>
+    <p:handoutMasterId r:id="rId21"/>
   </p:handoutMasterIdLst>
   <p:sldIdLst>
     <p:sldId id="1171" r:id="rId4"/>
+    <p:sldId id="1172" r:id="rId5"/>
+    <p:sldId id="1173" r:id="rId6"/>
+    <p:sldId id="1175" r:id="rId7"/>
+    <p:sldId id="1176" r:id="rId8"/>
+    <p:sldId id="1181" r:id="rId9"/>
+    <p:sldId id="1182" r:id="rId10"/>
+    <p:sldId id="1177" r:id="rId11"/>
+    <p:sldId id="1183" r:id="rId12"/>
+    <p:sldId id="1178" r:id="rId13"/>
+    <p:sldId id="1184" r:id="rId14"/>
+    <p:sldId id="1186" r:id="rId15"/>
+    <p:sldId id="1179" r:id="rId16"/>
+    <p:sldId id="1185" r:id="rId17"/>
+    <p:sldId id="1174" r:id="rId18"/>
+    <p:sldId id="1180" r:id="rId19"/>
   </p:sldIdLst>
   <p:sldSz cx="12192000" cy="6858000"/>
   <p:notesSz cx="6858000" cy="9144000"/>
-  <p:embeddedFontLst>
-    <p:embeddedFont>
-      <p:font typeface="Calibri" panose="020F0502020204030204" pitchFamily="34" charset="0"/>
-      <p:regular r:id="rId7"/>
-      <p:bold r:id="rId8"/>
-      <p:italic r:id="rId9"/>
-      <p:boldItalic r:id="rId10"/>
-    </p:embeddedFont>
-  </p:embeddedFontLst>
   <p:defaultTextStyle>
     <a:defPPr>
       <a:defRPr lang="ru-RU"/>
@@ -122,6 +128,50 @@
     </a:lvl9pPr>
   </p:defaultTextStyle>
   <p:extLst>
+    <p:ext uri="{521415D9-36F7-43E2-AB2F-B90AF26B5E84}">
+      <p14:sectionLst xmlns:p14="http://schemas.microsoft.com/office/powerpoint/2010/main">
+        <p14:section name="Начало" id="{2188042B-9BB4-2C42-831C-2E3190F33DF2}">
+          <p14:sldIdLst>
+            <p14:sldId id="1171"/>
+            <p14:sldId id="1172"/>
+            <p14:sldId id="1173"/>
+            <p14:sldId id="1175"/>
+          </p14:sldIdLst>
+        </p14:section>
+        <p14:section name="Исследование приложений-конкурентов" id="{143F3F60-E92F-7044-9268-E8347BBC8A10}">
+          <p14:sldIdLst>
+            <p14:sldId id="1176"/>
+            <p14:sldId id="1181"/>
+            <p14:sldId id="1182"/>
+          </p14:sldIdLst>
+        </p14:section>
+        <p14:section name="Дизайн и прототипирование" id="{FEDEB2F7-23F5-B148-8D7B-996713E9CA8F}">
+          <p14:sldIdLst>
+            <p14:sldId id="1177"/>
+            <p14:sldId id="1183"/>
+          </p14:sldIdLst>
+        </p14:section>
+        <p14:section name="Написание программного кода приложения" id="{303247A8-B33F-B346-8200-CA67260E06C5}">
+          <p14:sldIdLst>
+            <p14:sldId id="1178"/>
+            <p14:sldId id="1184"/>
+            <p14:sldId id="1186"/>
+          </p14:sldIdLst>
+        </p14:section>
+        <p14:section name="Тестирование готового продукта" id="{B9B74DE4-FAD3-8C4F-865D-928EE3EE82E8}">
+          <p14:sldIdLst>
+            <p14:sldId id="1179"/>
+            <p14:sldId id="1185"/>
+          </p14:sldIdLst>
+        </p14:section>
+        <p14:section name="Конец" id="{5ED747A7-6031-7046-8D2C-C766C1A732DE}">
+          <p14:sldIdLst>
+            <p14:sldId id="1174"/>
+            <p14:sldId id="1180"/>
+          </p14:sldIdLst>
+        </p14:section>
+      </p14:sectionLst>
+    </p:ext>
     <p:ext uri="{EFAFB233-063F-42B5-8137-9DF3F51BA10A}">
       <p15:sldGuideLst xmlns:p15="http://schemas.microsoft.com/office/powerpoint/2012/main"/>
     </p:ext>
@@ -266,7 +316,7 @@
           <a:p>
             <a:fld id="{85FFCE6C-E7E6-4C35-A8B5-8F9784AA6873}" type="datetimeFigureOut">
               <a:rPr lang="en-US" smtClean="0"/>
-              <a:t>18-Oct-24</a:t>
+              <a:t>10/18/24</a:t>
             </a:fld>
             <a:endParaRPr lang="en-US"/>
           </a:p>
@@ -442,7 +492,7 @@
           </a:lstStyle>
           <a:p>
             <a:fld id="{CCD46D5B-6567-794D-8CBA-5CCA973D6774}" type="datetimeFigureOut">
-              <a:t>18.10.2024</a:t>
+              <a:t>10/18/24</a:t>
             </a:fld>
             <a:endParaRPr lang="ru-RU"/>
           </a:p>
@@ -4119,7 +4169,7 @@
         </p:nvSpPr>
         <p:spPr>
           <a:xfrm>
-            <a:off x="550864" y="2509678"/>
+            <a:off x="550864" y="1448602"/>
             <a:ext cx="6067650" cy="1325563"/>
           </a:xfrm>
         </p:spPr>
@@ -4158,7 +4208,12 @@
             <p:ph type="body" sz="quarter" idx="10"/>
           </p:nvPr>
         </p:nvSpPr>
-        <p:spPr/>
+        <p:spPr>
+          <a:xfrm>
+            <a:off x="550863" y="3008422"/>
+            <a:ext cx="6330950" cy="841155"/>
+          </a:xfrm>
+        </p:spPr>
         <p:txBody>
           <a:bodyPr>
             <a:normAutofit/>
@@ -4211,10 +4266,2247 @@
           </a:p>
         </p:txBody>
       </p:sp>
+      <p:pic>
+        <p:nvPicPr>
+          <p:cNvPr id="6" name="Graphic 5">
+            <a:extLst>
+              <a:ext uri="{FF2B5EF4-FFF2-40B4-BE49-F238E27FC236}">
+                <a16:creationId xmlns:a16="http://schemas.microsoft.com/office/drawing/2014/main" id="{660ADC51-8838-C586-4EB7-B13B6494258B}"/>
+              </a:ext>
+            </a:extLst>
+          </p:cNvPr>
+          <p:cNvPicPr>
+            <a:picLocks noChangeAspect="1"/>
+          </p:cNvPicPr>
+          <p:nvPr/>
+        </p:nvPicPr>
+        <p:blipFill>
+          <a:blip r:embed="rId2">
+            <a:extLst>
+              <a:ext uri="{96DAC541-7B7A-43D3-8B79-37D633B846F1}">
+                <asvg:svgBlip xmlns:asvg="http://schemas.microsoft.com/office/drawing/2016/SVG/main" r:embed="rId3"/>
+              </a:ext>
+            </a:extLst>
+          </a:blip>
+          <a:stretch>
+            <a:fillRect/>
+          </a:stretch>
+        </p:blipFill>
+        <p:spPr>
+          <a:xfrm>
+            <a:off x="7811782" y="1933712"/>
+            <a:ext cx="2639548" cy="2639548"/>
+          </a:xfrm>
+          <a:prstGeom prst="rect">
+            <a:avLst/>
+          </a:prstGeom>
+          <a:effectLst>
+            <a:outerShdw blurRad="50800" dist="38100" dir="2700000" algn="tl" rotWithShape="0">
+              <a:prstClr val="black">
+                <a:alpha val="40000"/>
+              </a:prstClr>
+            </a:outerShdw>
+          </a:effectLst>
+        </p:spPr>
+      </p:pic>
+      <p:pic>
+        <p:nvPicPr>
+          <p:cNvPr id="7" name="Graphic 6">
+            <a:extLst>
+              <a:ext uri="{FF2B5EF4-FFF2-40B4-BE49-F238E27FC236}">
+                <a16:creationId xmlns:a16="http://schemas.microsoft.com/office/drawing/2014/main" id="{921B50C5-9E9C-22DF-39D2-86B4E5F8174F}"/>
+              </a:ext>
+            </a:extLst>
+          </p:cNvPr>
+          <p:cNvPicPr>
+            <a:picLocks noChangeAspect="1"/>
+          </p:cNvPicPr>
+          <p:nvPr/>
+        </p:nvPicPr>
+        <p:blipFill>
+          <a:blip r:embed="rId2">
+            <a:extLst>
+              <a:ext uri="{96DAC541-7B7A-43D3-8B79-37D633B846F1}">
+                <asvg:svgBlip xmlns:asvg="http://schemas.microsoft.com/office/drawing/2016/SVG/main" r:embed="rId3"/>
+              </a:ext>
+            </a:extLst>
+          </a:blip>
+          <a:stretch>
+            <a:fillRect/>
+          </a:stretch>
+        </p:blipFill>
+        <p:spPr>
+          <a:xfrm>
+            <a:off x="7612999" y="1761434"/>
+            <a:ext cx="2639548" cy="2639548"/>
+          </a:xfrm>
+          <a:prstGeom prst="rect">
+            <a:avLst/>
+          </a:prstGeom>
+        </p:spPr>
+      </p:pic>
+      <p:sp>
+        <p:nvSpPr>
+          <p:cNvPr id="8" name="Текст 2">
+            <a:extLst>
+              <a:ext uri="{FF2B5EF4-FFF2-40B4-BE49-F238E27FC236}">
+                <a16:creationId xmlns:a16="http://schemas.microsoft.com/office/drawing/2014/main" id="{DADCF7EF-2D1B-49F2-2ED5-8A3BF56A9AE1}"/>
+              </a:ext>
+            </a:extLst>
+          </p:cNvPr>
+          <p:cNvSpPr txBox="1">
+            <a:spLocks/>
+          </p:cNvSpPr>
+          <p:nvPr/>
+        </p:nvSpPr>
+        <p:spPr>
+          <a:xfrm>
+            <a:off x="550863" y="4103126"/>
+            <a:ext cx="6330950" cy="1589336"/>
+          </a:xfrm>
+          <a:prstGeom prst="rect">
+            <a:avLst/>
+          </a:prstGeom>
+        </p:spPr>
+        <p:txBody>
+          <a:bodyPr vert="horz" lIns="0" tIns="0" rIns="0" bIns="0" rtlCol="0">
+            <a:normAutofit/>
+          </a:bodyPr>
+          <a:lstStyle>
+            <a:lvl1pPr marL="0" indent="0" algn="l" defTabSz="914400" rtl="0" eaLnBrk="1" latinLnBrk="0" hangingPunct="1">
+              <a:lnSpc>
+                <a:spcPct val="100000"/>
+              </a:lnSpc>
+              <a:spcBef>
+                <a:spcPts val="0"/>
+              </a:spcBef>
+              <a:buFont typeface="Arial" panose="020B0604020202020204" pitchFamily="34" charset="0"/>
+              <a:buNone/>
+              <a:defRPr sz="1800" kern="1200">
+                <a:solidFill>
+                  <a:schemeClr val="tx1"/>
+                </a:solidFill>
+                <a:latin typeface="+mn-lt"/>
+                <a:ea typeface="+mn-ea"/>
+                <a:cs typeface="+mn-cs"/>
+              </a:defRPr>
+            </a:lvl1pPr>
+            <a:lvl2pPr marL="0" indent="0" algn="r" defTabSz="914400" rtl="0" eaLnBrk="1" latinLnBrk="0" hangingPunct="1">
+              <a:lnSpc>
+                <a:spcPct val="100000"/>
+              </a:lnSpc>
+              <a:spcBef>
+                <a:spcPts val="500"/>
+              </a:spcBef>
+              <a:buFont typeface="Arial" panose="020B0604020202020204" pitchFamily="34" charset="0"/>
+              <a:buNone/>
+              <a:defRPr sz="3200" kern="1200">
+                <a:solidFill>
+                  <a:schemeClr val="accent2"/>
+                </a:solidFill>
+                <a:latin typeface="+mn-lt"/>
+                <a:ea typeface="+mn-ea"/>
+                <a:cs typeface="+mn-cs"/>
+              </a:defRPr>
+            </a:lvl2pPr>
+            <a:lvl3pPr marL="914400" indent="0" algn="l" defTabSz="914400" rtl="0" eaLnBrk="1" latinLnBrk="0" hangingPunct="1">
+              <a:lnSpc>
+                <a:spcPct val="90000"/>
+              </a:lnSpc>
+              <a:spcBef>
+                <a:spcPts val="500"/>
+              </a:spcBef>
+              <a:buFont typeface="Arial" panose="020B0604020202020204" pitchFamily="34" charset="0"/>
+              <a:buNone/>
+              <a:defRPr sz="2000" kern="1200">
+                <a:solidFill>
+                  <a:schemeClr val="tx1"/>
+                </a:solidFill>
+                <a:latin typeface="+mn-lt"/>
+                <a:ea typeface="+mn-ea"/>
+                <a:cs typeface="+mn-cs"/>
+              </a:defRPr>
+            </a:lvl3pPr>
+            <a:lvl4pPr marL="1600200" indent="-228600" algn="l" defTabSz="914400" rtl="0" eaLnBrk="1" latinLnBrk="0" hangingPunct="1">
+              <a:lnSpc>
+                <a:spcPct val="90000"/>
+              </a:lnSpc>
+              <a:spcBef>
+                <a:spcPts val="500"/>
+              </a:spcBef>
+              <a:buFont typeface="Arial" panose="020B0604020202020204" pitchFamily="34" charset="0"/>
+              <a:buChar char="•"/>
+              <a:defRPr sz="1800" kern="1200">
+                <a:solidFill>
+                  <a:schemeClr val="tx1"/>
+                </a:solidFill>
+                <a:latin typeface="+mn-lt"/>
+                <a:ea typeface="+mn-ea"/>
+                <a:cs typeface="+mn-cs"/>
+              </a:defRPr>
+            </a:lvl4pPr>
+            <a:lvl5pPr marL="2057400" indent="-228600" algn="l" defTabSz="914400" rtl="0" eaLnBrk="1" latinLnBrk="0" hangingPunct="1">
+              <a:lnSpc>
+                <a:spcPct val="90000"/>
+              </a:lnSpc>
+              <a:spcBef>
+                <a:spcPts val="500"/>
+              </a:spcBef>
+              <a:buFont typeface="Arial" panose="020B0604020202020204" pitchFamily="34" charset="0"/>
+              <a:buChar char="•"/>
+              <a:defRPr sz="1800" kern="1200">
+                <a:solidFill>
+                  <a:schemeClr val="tx1"/>
+                </a:solidFill>
+                <a:latin typeface="+mn-lt"/>
+                <a:ea typeface="+mn-ea"/>
+                <a:cs typeface="+mn-cs"/>
+              </a:defRPr>
+            </a:lvl5pPr>
+            <a:lvl6pPr marL="2514600" indent="-228600" algn="l" defTabSz="914400" rtl="0" eaLnBrk="1" latinLnBrk="0" hangingPunct="1">
+              <a:lnSpc>
+                <a:spcPct val="90000"/>
+              </a:lnSpc>
+              <a:spcBef>
+                <a:spcPts val="500"/>
+              </a:spcBef>
+              <a:buFont typeface="Arial" panose="020B0604020202020204" pitchFamily="34" charset="0"/>
+              <a:buChar char="•"/>
+              <a:defRPr sz="1800" kern="1200">
+                <a:solidFill>
+                  <a:schemeClr val="tx1"/>
+                </a:solidFill>
+                <a:latin typeface="+mn-lt"/>
+                <a:ea typeface="+mn-ea"/>
+                <a:cs typeface="+mn-cs"/>
+              </a:defRPr>
+            </a:lvl6pPr>
+            <a:lvl7pPr marL="2971800" indent="-228600" algn="l" defTabSz="914400" rtl="0" eaLnBrk="1" latinLnBrk="0" hangingPunct="1">
+              <a:lnSpc>
+                <a:spcPct val="90000"/>
+              </a:lnSpc>
+              <a:spcBef>
+                <a:spcPts val="500"/>
+              </a:spcBef>
+              <a:buFont typeface="Arial" panose="020B0604020202020204" pitchFamily="34" charset="0"/>
+              <a:buChar char="•"/>
+              <a:defRPr sz="1800" kern="1200">
+                <a:solidFill>
+                  <a:schemeClr val="tx1"/>
+                </a:solidFill>
+                <a:latin typeface="+mn-lt"/>
+                <a:ea typeface="+mn-ea"/>
+                <a:cs typeface="+mn-cs"/>
+              </a:defRPr>
+            </a:lvl7pPr>
+            <a:lvl8pPr marL="3429000" indent="-228600" algn="l" defTabSz="914400" rtl="0" eaLnBrk="1" latinLnBrk="0" hangingPunct="1">
+              <a:lnSpc>
+                <a:spcPct val="90000"/>
+              </a:lnSpc>
+              <a:spcBef>
+                <a:spcPts val="500"/>
+              </a:spcBef>
+              <a:buFont typeface="Arial" panose="020B0604020202020204" pitchFamily="34" charset="0"/>
+              <a:buChar char="•"/>
+              <a:defRPr sz="1800" kern="1200">
+                <a:solidFill>
+                  <a:schemeClr val="tx1"/>
+                </a:solidFill>
+                <a:latin typeface="+mn-lt"/>
+                <a:ea typeface="+mn-ea"/>
+                <a:cs typeface="+mn-cs"/>
+              </a:defRPr>
+            </a:lvl8pPr>
+            <a:lvl9pPr marL="3886200" indent="-228600" algn="l" defTabSz="914400" rtl="0" eaLnBrk="1" latinLnBrk="0" hangingPunct="1">
+              <a:lnSpc>
+                <a:spcPct val="90000"/>
+              </a:lnSpc>
+              <a:spcBef>
+                <a:spcPts val="500"/>
+              </a:spcBef>
+              <a:buFont typeface="Arial" panose="020B0604020202020204" pitchFamily="34" charset="0"/>
+              <a:buChar char="•"/>
+              <a:defRPr sz="1800" kern="1200">
+                <a:solidFill>
+                  <a:schemeClr val="tx1"/>
+                </a:solidFill>
+                <a:latin typeface="+mn-lt"/>
+                <a:ea typeface="+mn-ea"/>
+                <a:cs typeface="+mn-cs"/>
+              </a:defRPr>
+            </a:lvl9pPr>
+          </a:lstStyle>
+          <a:p>
+            <a:r>
+              <a:rPr lang="ru-RU" dirty="0"/>
+              <a:t>Выступающие:</a:t>
+            </a:r>
+          </a:p>
+          <a:p>
+            <a:pPr marL="285750" indent="-285750">
+              <a:buClr>
+                <a:schemeClr val="accent2">
+                  <a:lumMod val="75000"/>
+                </a:schemeClr>
+              </a:buClr>
+              <a:buFont typeface="Wingdings" pitchFamily="2" charset="2"/>
+              <a:buChar char="§"/>
+            </a:pPr>
+            <a:r>
+              <a:rPr lang="ru-RU" dirty="0"/>
+              <a:t>Волжан Евгений Михайлович</a:t>
+            </a:r>
+          </a:p>
+          <a:p>
+            <a:pPr marL="285750" indent="-285750">
+              <a:buClr>
+                <a:schemeClr val="accent2">
+                  <a:lumMod val="75000"/>
+                </a:schemeClr>
+              </a:buClr>
+              <a:buFont typeface="Wingdings" pitchFamily="2" charset="2"/>
+              <a:buChar char="§"/>
+            </a:pPr>
+            <a:r>
+              <a:rPr lang="ru-RU" dirty="0"/>
+              <a:t>Георгов Олег Георгиевич</a:t>
+            </a:r>
+          </a:p>
+          <a:p>
+            <a:pPr marL="285750" indent="-285750">
+              <a:buClr>
+                <a:schemeClr val="accent2">
+                  <a:lumMod val="75000"/>
+                </a:schemeClr>
+              </a:buClr>
+              <a:buFont typeface="Wingdings" pitchFamily="2" charset="2"/>
+              <a:buChar char="§"/>
+            </a:pPr>
+            <a:r>
+              <a:rPr lang="ru-RU" dirty="0"/>
+              <a:t>Томчук Григорий Сергеевич</a:t>
+            </a:r>
+          </a:p>
+          <a:p>
+            <a:pPr marL="285750" indent="-285750">
+              <a:buClr>
+                <a:schemeClr val="accent2">
+                  <a:lumMod val="75000"/>
+                </a:schemeClr>
+              </a:buClr>
+              <a:buFont typeface="Wingdings" pitchFamily="2" charset="2"/>
+              <a:buChar char="§"/>
+            </a:pPr>
+            <a:r>
+              <a:rPr lang="ru-RU" dirty="0"/>
+              <a:t>Якупов </a:t>
+            </a:r>
+            <a:r>
+              <a:rPr lang="ru-RU" dirty="0" err="1"/>
+              <a:t>Расуль</a:t>
+            </a:r>
+            <a:r>
+              <a:rPr lang="ru-RU" dirty="0"/>
+              <a:t> </a:t>
+            </a:r>
+            <a:r>
+              <a:rPr lang="ru-RU" dirty="0" err="1"/>
+              <a:t>Газинурович</a:t>
+            </a:r>
+            <a:endParaRPr lang="ru-RU" dirty="0"/>
+          </a:p>
+        </p:txBody>
+      </p:sp>
     </p:spTree>
     <p:extLst>
       <p:ext uri="{BB962C8B-B14F-4D97-AF65-F5344CB8AC3E}">
         <p14:creationId xmlns:p14="http://schemas.microsoft.com/office/powerpoint/2010/main" val="2705815857"/>
+      </p:ext>
+    </p:extLst>
+  </p:cSld>
+  <p:clrMapOvr>
+    <a:masterClrMapping/>
+  </p:clrMapOvr>
+</p:sld>
+</file>
+
+<file path=ppt/slides/slide10.xml><?xml version="1.0" encoding="utf-8"?>
+<p:sld xmlns:a="http://schemas.openxmlformats.org/drawingml/2006/main" xmlns:r="http://schemas.openxmlformats.org/officeDocument/2006/relationships" xmlns:p="http://schemas.openxmlformats.org/presentationml/2006/main">
+  <p:cSld>
+    <p:spTree>
+      <p:nvGrpSpPr>
+        <p:cNvPr id="1" name=""/>
+        <p:cNvGrpSpPr/>
+        <p:nvPr/>
+      </p:nvGrpSpPr>
+      <p:grpSpPr>
+        <a:xfrm>
+          <a:off x="0" y="0"/>
+          <a:ext cx="0" cy="0"/>
+          <a:chOff x="0" y="0"/>
+          <a:chExt cx="0" cy="0"/>
+        </a:xfrm>
+      </p:grpSpPr>
+      <p:sp>
+        <p:nvSpPr>
+          <p:cNvPr id="2" name="Title 1">
+            <a:extLst>
+              <a:ext uri="{FF2B5EF4-FFF2-40B4-BE49-F238E27FC236}">
+                <a16:creationId xmlns:a16="http://schemas.microsoft.com/office/drawing/2014/main" id="{A37DED3B-262F-4372-5BA0-1FA410A4C660}"/>
+              </a:ext>
+            </a:extLst>
+          </p:cNvPr>
+          <p:cNvSpPr>
+            <a:spLocks noGrp="1"/>
+          </p:cNvSpPr>
+          <p:nvPr>
+            <p:ph type="title"/>
+          </p:nvPr>
+        </p:nvSpPr>
+        <p:spPr/>
+        <p:txBody>
+          <a:bodyPr/>
+          <a:lstStyle/>
+          <a:p>
+            <a:r>
+              <a:rPr lang="ru-RU" dirty="0"/>
+              <a:t>Написание программного кода приложения</a:t>
+            </a:r>
+            <a:endParaRPr lang="en-US" dirty="0"/>
+          </a:p>
+        </p:txBody>
+      </p:sp>
+      <p:sp>
+        <p:nvSpPr>
+          <p:cNvPr id="3" name="Text Placeholder 2">
+            <a:extLst>
+              <a:ext uri="{FF2B5EF4-FFF2-40B4-BE49-F238E27FC236}">
+                <a16:creationId xmlns:a16="http://schemas.microsoft.com/office/drawing/2014/main" id="{7AAED701-12FA-7649-8225-8C73EAB82163}"/>
+              </a:ext>
+            </a:extLst>
+          </p:cNvPr>
+          <p:cNvSpPr>
+            <a:spLocks noGrp="1"/>
+          </p:cNvSpPr>
+          <p:nvPr>
+            <p:ph type="body" sz="quarter" idx="12"/>
+          </p:nvPr>
+        </p:nvSpPr>
+        <p:spPr/>
+        <p:txBody>
+          <a:bodyPr/>
+          <a:lstStyle/>
+          <a:p>
+            <a:endParaRPr lang="en-US" dirty="0"/>
+          </a:p>
+        </p:txBody>
+      </p:sp>
+    </p:spTree>
+    <p:extLst>
+      <p:ext uri="{BB962C8B-B14F-4D97-AF65-F5344CB8AC3E}">
+        <p14:creationId xmlns:p14="http://schemas.microsoft.com/office/powerpoint/2010/main" val="1181982809"/>
+      </p:ext>
+    </p:extLst>
+  </p:cSld>
+  <p:clrMapOvr>
+    <a:masterClrMapping/>
+  </p:clrMapOvr>
+</p:sld>
+</file>
+
+<file path=ppt/slides/slide11.xml><?xml version="1.0" encoding="utf-8"?>
+<p:sld xmlns:a="http://schemas.openxmlformats.org/drawingml/2006/main" xmlns:r="http://schemas.openxmlformats.org/officeDocument/2006/relationships" xmlns:p="http://schemas.openxmlformats.org/presentationml/2006/main">
+  <p:cSld>
+    <p:spTree>
+      <p:nvGrpSpPr>
+        <p:cNvPr id="1" name=""/>
+        <p:cNvGrpSpPr/>
+        <p:nvPr/>
+      </p:nvGrpSpPr>
+      <p:grpSpPr>
+        <a:xfrm>
+          <a:off x="0" y="0"/>
+          <a:ext cx="0" cy="0"/>
+          <a:chOff x="0" y="0"/>
+          <a:chExt cx="0" cy="0"/>
+        </a:xfrm>
+      </p:grpSpPr>
+      <p:sp>
+        <p:nvSpPr>
+          <p:cNvPr id="2" name="Title 1">
+            <a:extLst>
+              <a:ext uri="{FF2B5EF4-FFF2-40B4-BE49-F238E27FC236}">
+                <a16:creationId xmlns:a16="http://schemas.microsoft.com/office/drawing/2014/main" id="{A37DED3B-262F-4372-5BA0-1FA410A4C660}"/>
+              </a:ext>
+            </a:extLst>
+          </p:cNvPr>
+          <p:cNvSpPr>
+            <a:spLocks noGrp="1"/>
+          </p:cNvSpPr>
+          <p:nvPr>
+            <p:ph type="title"/>
+          </p:nvPr>
+        </p:nvSpPr>
+        <p:spPr/>
+        <p:txBody>
+          <a:bodyPr/>
+          <a:lstStyle/>
+          <a:p>
+            <a:r>
+              <a:rPr lang="ru-RU" dirty="0"/>
+              <a:t>Написание программного кода приложения</a:t>
+            </a:r>
+            <a:endParaRPr lang="en-US" dirty="0"/>
+          </a:p>
+        </p:txBody>
+      </p:sp>
+      <p:sp>
+        <p:nvSpPr>
+          <p:cNvPr id="3" name="Text Placeholder 2">
+            <a:extLst>
+              <a:ext uri="{FF2B5EF4-FFF2-40B4-BE49-F238E27FC236}">
+                <a16:creationId xmlns:a16="http://schemas.microsoft.com/office/drawing/2014/main" id="{7AAED701-12FA-7649-8225-8C73EAB82163}"/>
+              </a:ext>
+            </a:extLst>
+          </p:cNvPr>
+          <p:cNvSpPr>
+            <a:spLocks noGrp="1"/>
+          </p:cNvSpPr>
+          <p:nvPr>
+            <p:ph type="body" sz="quarter" idx="12"/>
+          </p:nvPr>
+        </p:nvSpPr>
+        <p:spPr/>
+        <p:txBody>
+          <a:bodyPr/>
+          <a:lstStyle/>
+          <a:p>
+            <a:endParaRPr lang="en-US" dirty="0"/>
+          </a:p>
+        </p:txBody>
+      </p:sp>
+    </p:spTree>
+    <p:extLst>
+      <p:ext uri="{BB962C8B-B14F-4D97-AF65-F5344CB8AC3E}">
+        <p14:creationId xmlns:p14="http://schemas.microsoft.com/office/powerpoint/2010/main" val="3902165969"/>
+      </p:ext>
+    </p:extLst>
+  </p:cSld>
+  <p:clrMapOvr>
+    <a:masterClrMapping/>
+  </p:clrMapOvr>
+</p:sld>
+</file>
+
+<file path=ppt/slides/slide12.xml><?xml version="1.0" encoding="utf-8"?>
+<p:sld xmlns:a="http://schemas.openxmlformats.org/drawingml/2006/main" xmlns:r="http://schemas.openxmlformats.org/officeDocument/2006/relationships" xmlns:p="http://schemas.openxmlformats.org/presentationml/2006/main">
+  <p:cSld>
+    <p:spTree>
+      <p:nvGrpSpPr>
+        <p:cNvPr id="1" name=""/>
+        <p:cNvGrpSpPr/>
+        <p:nvPr/>
+      </p:nvGrpSpPr>
+      <p:grpSpPr>
+        <a:xfrm>
+          <a:off x="0" y="0"/>
+          <a:ext cx="0" cy="0"/>
+          <a:chOff x="0" y="0"/>
+          <a:chExt cx="0" cy="0"/>
+        </a:xfrm>
+      </p:grpSpPr>
+      <p:sp>
+        <p:nvSpPr>
+          <p:cNvPr id="2" name="Title 1">
+            <a:extLst>
+              <a:ext uri="{FF2B5EF4-FFF2-40B4-BE49-F238E27FC236}">
+                <a16:creationId xmlns:a16="http://schemas.microsoft.com/office/drawing/2014/main" id="{A37DED3B-262F-4372-5BA0-1FA410A4C660}"/>
+              </a:ext>
+            </a:extLst>
+          </p:cNvPr>
+          <p:cNvSpPr>
+            <a:spLocks noGrp="1"/>
+          </p:cNvSpPr>
+          <p:nvPr>
+            <p:ph type="title"/>
+          </p:nvPr>
+        </p:nvSpPr>
+        <p:spPr/>
+        <p:txBody>
+          <a:bodyPr/>
+          <a:lstStyle/>
+          <a:p>
+            <a:r>
+              <a:rPr lang="ru-RU" dirty="0"/>
+              <a:t>Написание программного кода приложения</a:t>
+            </a:r>
+            <a:endParaRPr lang="en-US" dirty="0"/>
+          </a:p>
+        </p:txBody>
+      </p:sp>
+      <p:sp>
+        <p:nvSpPr>
+          <p:cNvPr id="3" name="Text Placeholder 2">
+            <a:extLst>
+              <a:ext uri="{FF2B5EF4-FFF2-40B4-BE49-F238E27FC236}">
+                <a16:creationId xmlns:a16="http://schemas.microsoft.com/office/drawing/2014/main" id="{7AAED701-12FA-7649-8225-8C73EAB82163}"/>
+              </a:ext>
+            </a:extLst>
+          </p:cNvPr>
+          <p:cNvSpPr>
+            <a:spLocks noGrp="1"/>
+          </p:cNvSpPr>
+          <p:nvPr>
+            <p:ph type="body" sz="quarter" idx="12"/>
+          </p:nvPr>
+        </p:nvSpPr>
+        <p:spPr/>
+        <p:txBody>
+          <a:bodyPr/>
+          <a:lstStyle/>
+          <a:p>
+            <a:endParaRPr lang="en-US" dirty="0"/>
+          </a:p>
+        </p:txBody>
+      </p:sp>
+    </p:spTree>
+    <p:extLst>
+      <p:ext uri="{BB962C8B-B14F-4D97-AF65-F5344CB8AC3E}">
+        <p14:creationId xmlns:p14="http://schemas.microsoft.com/office/powerpoint/2010/main" val="1433426433"/>
+      </p:ext>
+    </p:extLst>
+  </p:cSld>
+  <p:clrMapOvr>
+    <a:masterClrMapping/>
+  </p:clrMapOvr>
+</p:sld>
+</file>
+
+<file path=ppt/slides/slide13.xml><?xml version="1.0" encoding="utf-8"?>
+<p:sld xmlns:a="http://schemas.openxmlformats.org/drawingml/2006/main" xmlns:r="http://schemas.openxmlformats.org/officeDocument/2006/relationships" xmlns:p="http://schemas.openxmlformats.org/presentationml/2006/main">
+  <p:cSld>
+    <p:spTree>
+      <p:nvGrpSpPr>
+        <p:cNvPr id="1" name=""/>
+        <p:cNvGrpSpPr/>
+        <p:nvPr/>
+      </p:nvGrpSpPr>
+      <p:grpSpPr>
+        <a:xfrm>
+          <a:off x="0" y="0"/>
+          <a:ext cx="0" cy="0"/>
+          <a:chOff x="0" y="0"/>
+          <a:chExt cx="0" cy="0"/>
+        </a:xfrm>
+      </p:grpSpPr>
+      <p:sp>
+        <p:nvSpPr>
+          <p:cNvPr id="2" name="Title 1">
+            <a:extLst>
+              <a:ext uri="{FF2B5EF4-FFF2-40B4-BE49-F238E27FC236}">
+                <a16:creationId xmlns:a16="http://schemas.microsoft.com/office/drawing/2014/main" id="{A37DED3B-262F-4372-5BA0-1FA410A4C660}"/>
+              </a:ext>
+            </a:extLst>
+          </p:cNvPr>
+          <p:cNvSpPr>
+            <a:spLocks noGrp="1"/>
+          </p:cNvSpPr>
+          <p:nvPr>
+            <p:ph type="title"/>
+          </p:nvPr>
+        </p:nvSpPr>
+        <p:spPr/>
+        <p:txBody>
+          <a:bodyPr/>
+          <a:lstStyle/>
+          <a:p>
+            <a:r>
+              <a:rPr lang="ru-RU" dirty="0"/>
+              <a:t>Тестирование готового продукта</a:t>
+            </a:r>
+            <a:endParaRPr lang="en-US" dirty="0"/>
+          </a:p>
+        </p:txBody>
+      </p:sp>
+      <p:sp>
+        <p:nvSpPr>
+          <p:cNvPr id="3" name="Text Placeholder 2">
+            <a:extLst>
+              <a:ext uri="{FF2B5EF4-FFF2-40B4-BE49-F238E27FC236}">
+                <a16:creationId xmlns:a16="http://schemas.microsoft.com/office/drawing/2014/main" id="{7AAED701-12FA-7649-8225-8C73EAB82163}"/>
+              </a:ext>
+            </a:extLst>
+          </p:cNvPr>
+          <p:cNvSpPr>
+            <a:spLocks noGrp="1"/>
+          </p:cNvSpPr>
+          <p:nvPr>
+            <p:ph type="body" sz="quarter" idx="12"/>
+          </p:nvPr>
+        </p:nvSpPr>
+        <p:spPr/>
+        <p:txBody>
+          <a:bodyPr/>
+          <a:lstStyle/>
+          <a:p>
+            <a:endParaRPr lang="en-US" dirty="0"/>
+          </a:p>
+        </p:txBody>
+      </p:sp>
+    </p:spTree>
+    <p:extLst>
+      <p:ext uri="{BB962C8B-B14F-4D97-AF65-F5344CB8AC3E}">
+        <p14:creationId xmlns:p14="http://schemas.microsoft.com/office/powerpoint/2010/main" val="3830650736"/>
+      </p:ext>
+    </p:extLst>
+  </p:cSld>
+  <p:clrMapOvr>
+    <a:masterClrMapping/>
+  </p:clrMapOvr>
+</p:sld>
+</file>
+
+<file path=ppt/slides/slide14.xml><?xml version="1.0" encoding="utf-8"?>
+<p:sld xmlns:a="http://schemas.openxmlformats.org/drawingml/2006/main" xmlns:r="http://schemas.openxmlformats.org/officeDocument/2006/relationships" xmlns:p="http://schemas.openxmlformats.org/presentationml/2006/main">
+  <p:cSld>
+    <p:spTree>
+      <p:nvGrpSpPr>
+        <p:cNvPr id="1" name=""/>
+        <p:cNvGrpSpPr/>
+        <p:nvPr/>
+      </p:nvGrpSpPr>
+      <p:grpSpPr>
+        <a:xfrm>
+          <a:off x="0" y="0"/>
+          <a:ext cx="0" cy="0"/>
+          <a:chOff x="0" y="0"/>
+          <a:chExt cx="0" cy="0"/>
+        </a:xfrm>
+      </p:grpSpPr>
+      <p:sp>
+        <p:nvSpPr>
+          <p:cNvPr id="2" name="Title 1">
+            <a:extLst>
+              <a:ext uri="{FF2B5EF4-FFF2-40B4-BE49-F238E27FC236}">
+                <a16:creationId xmlns:a16="http://schemas.microsoft.com/office/drawing/2014/main" id="{A37DED3B-262F-4372-5BA0-1FA410A4C660}"/>
+              </a:ext>
+            </a:extLst>
+          </p:cNvPr>
+          <p:cNvSpPr>
+            <a:spLocks noGrp="1"/>
+          </p:cNvSpPr>
+          <p:nvPr>
+            <p:ph type="title"/>
+          </p:nvPr>
+        </p:nvSpPr>
+        <p:spPr/>
+        <p:txBody>
+          <a:bodyPr/>
+          <a:lstStyle/>
+          <a:p>
+            <a:r>
+              <a:rPr lang="ru-RU" dirty="0"/>
+              <a:t>Тестирование готового продукта</a:t>
+            </a:r>
+            <a:endParaRPr lang="en-US" dirty="0"/>
+          </a:p>
+        </p:txBody>
+      </p:sp>
+      <p:sp>
+        <p:nvSpPr>
+          <p:cNvPr id="3" name="Text Placeholder 2">
+            <a:extLst>
+              <a:ext uri="{FF2B5EF4-FFF2-40B4-BE49-F238E27FC236}">
+                <a16:creationId xmlns:a16="http://schemas.microsoft.com/office/drawing/2014/main" id="{7AAED701-12FA-7649-8225-8C73EAB82163}"/>
+              </a:ext>
+            </a:extLst>
+          </p:cNvPr>
+          <p:cNvSpPr>
+            <a:spLocks noGrp="1"/>
+          </p:cNvSpPr>
+          <p:nvPr>
+            <p:ph type="body" sz="quarter" idx="12"/>
+          </p:nvPr>
+        </p:nvSpPr>
+        <p:spPr/>
+        <p:txBody>
+          <a:bodyPr/>
+          <a:lstStyle/>
+          <a:p>
+            <a:endParaRPr lang="en-US" dirty="0"/>
+          </a:p>
+        </p:txBody>
+      </p:sp>
+    </p:spTree>
+    <p:extLst>
+      <p:ext uri="{BB962C8B-B14F-4D97-AF65-F5344CB8AC3E}">
+        <p14:creationId xmlns:p14="http://schemas.microsoft.com/office/powerpoint/2010/main" val="3251159078"/>
+      </p:ext>
+    </p:extLst>
+  </p:cSld>
+  <p:clrMapOvr>
+    <a:masterClrMapping/>
+  </p:clrMapOvr>
+</p:sld>
+</file>
+
+<file path=ppt/slides/slide15.xml><?xml version="1.0" encoding="utf-8"?>
+<p:sld xmlns:a="http://schemas.openxmlformats.org/drawingml/2006/main" xmlns:r="http://schemas.openxmlformats.org/officeDocument/2006/relationships" xmlns:p="http://schemas.openxmlformats.org/presentationml/2006/main">
+  <p:cSld>
+    <p:spTree>
+      <p:nvGrpSpPr>
+        <p:cNvPr id="1" name=""/>
+        <p:cNvGrpSpPr/>
+        <p:nvPr/>
+      </p:nvGrpSpPr>
+      <p:grpSpPr>
+        <a:xfrm>
+          <a:off x="0" y="0"/>
+          <a:ext cx="0" cy="0"/>
+          <a:chOff x="0" y="0"/>
+          <a:chExt cx="0" cy="0"/>
+        </a:xfrm>
+      </p:grpSpPr>
+      <p:sp>
+        <p:nvSpPr>
+          <p:cNvPr id="5" name="Title 4">
+            <a:extLst>
+              <a:ext uri="{FF2B5EF4-FFF2-40B4-BE49-F238E27FC236}">
+                <a16:creationId xmlns:a16="http://schemas.microsoft.com/office/drawing/2014/main" id="{C84385F6-8456-2C72-A534-B9F5E541C07B}"/>
+              </a:ext>
+            </a:extLst>
+          </p:cNvPr>
+          <p:cNvSpPr>
+            <a:spLocks noGrp="1"/>
+          </p:cNvSpPr>
+          <p:nvPr>
+            <p:ph type="title"/>
+          </p:nvPr>
+        </p:nvSpPr>
+        <p:spPr/>
+        <p:txBody>
+          <a:bodyPr/>
+          <a:lstStyle/>
+          <a:p>
+            <a:r>
+              <a:rPr lang="ru-RU" dirty="0"/>
+              <a:t>Список использованных источников</a:t>
+            </a:r>
+            <a:endParaRPr lang="en-US" dirty="0"/>
+          </a:p>
+        </p:txBody>
+      </p:sp>
+      <p:sp>
+        <p:nvSpPr>
+          <p:cNvPr id="6" name="Text Placeholder 5">
+            <a:extLst>
+              <a:ext uri="{FF2B5EF4-FFF2-40B4-BE49-F238E27FC236}">
+                <a16:creationId xmlns:a16="http://schemas.microsoft.com/office/drawing/2014/main" id="{5D340031-DE9F-8B27-6210-24CFEE4D35B3}"/>
+              </a:ext>
+            </a:extLst>
+          </p:cNvPr>
+          <p:cNvSpPr>
+            <a:spLocks noGrp="1"/>
+          </p:cNvSpPr>
+          <p:nvPr>
+            <p:ph type="body" sz="quarter" idx="12"/>
+          </p:nvPr>
+        </p:nvSpPr>
+        <p:spPr>
+          <a:xfrm>
+            <a:off x="550863" y="1341438"/>
+            <a:ext cx="9608330" cy="5040312"/>
+          </a:xfrm>
+        </p:spPr>
+        <p:txBody>
+          <a:bodyPr>
+            <a:normAutofit fontScale="92500" lnSpcReduction="20000"/>
+          </a:bodyPr>
+          <a:lstStyle/>
+          <a:p>
+            <a:pPr marL="274320" indent="-274320">
+              <a:spcAft>
+                <a:spcPts val="600"/>
+              </a:spcAft>
+              <a:buFont typeface="+mj-lt"/>
+              <a:buAutoNum type="arabicPeriod"/>
+            </a:pPr>
+            <a:r>
+              <a:rPr lang="ru-RU" sz="1600" dirty="0"/>
+              <a:t>Коваленко, В. Н. Обзор популярных мобильных приложений для управления личными финансами // Финансы и кредит. – 2021. – № 10. – С. 24-29.</a:t>
+            </a:r>
+          </a:p>
+          <a:p>
+            <a:pPr marL="274320" indent="-274320">
+              <a:spcAft>
+                <a:spcPts val="600"/>
+              </a:spcAft>
+              <a:buFont typeface="+mj-lt"/>
+              <a:buAutoNum type="arabicPeriod"/>
+            </a:pPr>
+            <a:r>
+              <a:rPr lang="ru-RU" sz="1600" dirty="0"/>
+              <a:t>Иванов, П. А., Смирнова, Е. В. Рынок мобильных приложений для управления личными финансами: тенденции и перспективы // Современные информационные технологии и ИТ-образование. – 2020. – Т. 16, № 3. – С. 45-54.</a:t>
+            </a:r>
+          </a:p>
+          <a:p>
+            <a:pPr marL="274320" indent="-274320">
+              <a:spcAft>
+                <a:spcPts val="600"/>
+              </a:spcAft>
+              <a:buFont typeface="+mj-lt"/>
+              <a:buAutoNum type="arabicPeriod"/>
+            </a:pPr>
+            <a:r>
+              <a:rPr lang="ru-RU" sz="1600" dirty="0"/>
+              <a:t>Петренко, А. В. Прототипирование мобильных приложений в </a:t>
+            </a:r>
+            <a:r>
+              <a:rPr lang="en-US" sz="1600" dirty="0"/>
+              <a:t>Figma // </a:t>
+            </a:r>
+            <a:r>
+              <a:rPr lang="ru-RU" sz="1600" dirty="0"/>
+              <a:t>Журнал системных исследований. – 2022. – № 7. – С. 34-39.</a:t>
+            </a:r>
+          </a:p>
+          <a:p>
+            <a:pPr marL="274320" indent="-274320">
+              <a:spcAft>
+                <a:spcPts val="600"/>
+              </a:spcAft>
+              <a:buFont typeface="+mj-lt"/>
+              <a:buAutoNum type="arabicPeriod"/>
+            </a:pPr>
+            <a:r>
+              <a:rPr lang="ru-RU" sz="1600" dirty="0"/>
+              <a:t>Соколова, М. В. Разработка пользовательского интерфейса с помощью </a:t>
+            </a:r>
+            <a:r>
+              <a:rPr lang="en-US" sz="1600" dirty="0"/>
+              <a:t>Figma // </a:t>
+            </a:r>
+            <a:r>
+              <a:rPr lang="ru-RU" sz="1600" dirty="0"/>
+              <a:t>Вестник информационных технологий. – 2021. – Т. 28, № 5. – С. 78-83.</a:t>
+            </a:r>
+          </a:p>
+          <a:p>
+            <a:pPr marL="274320" indent="-274320">
+              <a:spcAft>
+                <a:spcPts val="600"/>
+              </a:spcAft>
+              <a:buFont typeface="+mj-lt"/>
+              <a:buAutoNum type="arabicPeriod"/>
+            </a:pPr>
+            <a:r>
+              <a:rPr lang="ru-RU" sz="1600" dirty="0"/>
+              <a:t>Иванов, Д. С. Применение </a:t>
+            </a:r>
+            <a:r>
+              <a:rPr lang="en-US" sz="1600" dirty="0" err="1"/>
+              <a:t>Vue.js</a:t>
+            </a:r>
+            <a:r>
+              <a:rPr lang="en-US" sz="1600" dirty="0"/>
+              <a:t> </a:t>
+            </a:r>
+            <a:r>
+              <a:rPr lang="ru-RU" sz="1600" dirty="0"/>
+              <a:t>для создания веб-приложений // Вестник программной инженерии. – 2021. – Т. 10, № 2. – С. 98-104.</a:t>
+            </a:r>
+          </a:p>
+          <a:p>
+            <a:pPr marL="274320" indent="-274320">
+              <a:spcAft>
+                <a:spcPts val="600"/>
+              </a:spcAft>
+              <a:buFont typeface="+mj-lt"/>
+              <a:buAutoNum type="arabicPeriod"/>
+            </a:pPr>
+            <a:r>
+              <a:rPr lang="ru-RU" sz="1600" dirty="0"/>
+              <a:t>Андреев, Е. Н., Сидорова, Л. М. Разработка одностраничных веб-приложений с использованием </a:t>
+            </a:r>
+            <a:r>
+              <a:rPr lang="en-US" sz="1600" dirty="0" err="1"/>
+              <a:t>Nuxt.js</a:t>
+            </a:r>
+            <a:r>
+              <a:rPr lang="en-US" sz="1600" dirty="0"/>
+              <a:t> // </a:t>
+            </a:r>
+            <a:r>
+              <a:rPr lang="ru-RU" sz="1600" dirty="0"/>
+              <a:t>Современные проблемы компьютерных наук. – 2020. – Т. 5, № 4. – С. 22-28.</a:t>
+            </a:r>
+          </a:p>
+          <a:p>
+            <a:pPr marL="274320" indent="-274320">
+              <a:spcAft>
+                <a:spcPts val="600"/>
+              </a:spcAft>
+              <a:buFont typeface="+mj-lt"/>
+              <a:buAutoNum type="arabicPeriod"/>
+            </a:pPr>
+            <a:r>
+              <a:rPr lang="ru-RU" sz="1600" dirty="0"/>
+              <a:t>Нестеренко, О. В. Применение </a:t>
+            </a:r>
+            <a:r>
+              <a:rPr lang="en-US" sz="1600" dirty="0"/>
+              <a:t>Google Firebase </a:t>
+            </a:r>
+            <a:r>
+              <a:rPr lang="ru-RU" sz="1600" dirty="0"/>
+              <a:t>для разработки мобильных приложений // Вестник цифровых технологий. – 2021. – № 12. – С. 13-18.</a:t>
+            </a:r>
+          </a:p>
+          <a:p>
+            <a:pPr marL="274320" indent="-274320">
+              <a:spcAft>
+                <a:spcPts val="600"/>
+              </a:spcAft>
+              <a:buFont typeface="+mj-lt"/>
+              <a:buAutoNum type="arabicPeriod"/>
+            </a:pPr>
+            <a:r>
+              <a:rPr lang="ru-RU" sz="1600" dirty="0"/>
+              <a:t>Белов, П. А. Использование </a:t>
+            </a:r>
+            <a:r>
+              <a:rPr lang="en-US" sz="1600" dirty="0"/>
+              <a:t>Firebase </a:t>
+            </a:r>
+            <a:r>
+              <a:rPr lang="ru-RU" sz="1600" dirty="0"/>
+              <a:t>для хранения данных мобильных приложений // Моделирование и анализ информационных систем. – 2020. – Т. 27, № 6. – С. 45-51.</a:t>
+            </a:r>
+          </a:p>
+          <a:p>
+            <a:pPr marL="274320" indent="-274320">
+              <a:spcAft>
+                <a:spcPts val="600"/>
+              </a:spcAft>
+              <a:buFont typeface="+mj-lt"/>
+              <a:buAutoNum type="arabicPeriod"/>
+            </a:pPr>
+            <a:r>
+              <a:rPr lang="ru-RU" sz="1600" dirty="0"/>
+              <a:t>Смирнов, А. В. Облачные платформы для хранения данных мобильных приложений // Вопросы информационных технологий. – 2020. – № 8. – С. 67-72.</a:t>
+            </a:r>
+          </a:p>
+          <a:p>
+            <a:pPr marL="274320" indent="-274320">
+              <a:spcAft>
+                <a:spcPts val="600"/>
+              </a:spcAft>
+              <a:buFont typeface="+mj-lt"/>
+              <a:buAutoNum type="arabicPeriod"/>
+            </a:pPr>
+            <a:r>
+              <a:rPr lang="ru-RU" sz="1600" dirty="0"/>
+              <a:t>Сидоров, И. Г. Архитектура облачных сервисов для мобильных приложений // Вестник прикладных исследований. – 2021. – Т. 9, № 2. – С. 56-61.</a:t>
+            </a:r>
+          </a:p>
+        </p:txBody>
+      </p:sp>
+    </p:spTree>
+    <p:extLst>
+      <p:ext uri="{BB962C8B-B14F-4D97-AF65-F5344CB8AC3E}">
+        <p14:creationId xmlns:p14="http://schemas.microsoft.com/office/powerpoint/2010/main" val="3911096534"/>
+      </p:ext>
+    </p:extLst>
+  </p:cSld>
+  <p:clrMapOvr>
+    <a:masterClrMapping/>
+  </p:clrMapOvr>
+</p:sld>
+</file>
+
+<file path=ppt/slides/slide16.xml><?xml version="1.0" encoding="utf-8"?>
+<p:sld xmlns:a="http://schemas.openxmlformats.org/drawingml/2006/main" xmlns:r="http://schemas.openxmlformats.org/officeDocument/2006/relationships" xmlns:p="http://schemas.openxmlformats.org/presentationml/2006/main">
+  <p:cSld>
+    <p:spTree>
+      <p:nvGrpSpPr>
+        <p:cNvPr id="1" name=""/>
+        <p:cNvGrpSpPr/>
+        <p:nvPr/>
+      </p:nvGrpSpPr>
+      <p:grpSpPr>
+        <a:xfrm>
+          <a:off x="0" y="0"/>
+          <a:ext cx="0" cy="0"/>
+          <a:chOff x="0" y="0"/>
+          <a:chExt cx="0" cy="0"/>
+        </a:xfrm>
+      </p:grpSpPr>
+      <p:sp>
+        <p:nvSpPr>
+          <p:cNvPr id="6" name="Text Placeholder 5">
+            <a:extLst>
+              <a:ext uri="{FF2B5EF4-FFF2-40B4-BE49-F238E27FC236}">
+                <a16:creationId xmlns:a16="http://schemas.microsoft.com/office/drawing/2014/main" id="{93AC1689-82A7-7218-8C96-FA7260A9D5D5}"/>
+              </a:ext>
+            </a:extLst>
+          </p:cNvPr>
+          <p:cNvSpPr txBox="1">
+            <a:spLocks/>
+          </p:cNvSpPr>
+          <p:nvPr/>
+        </p:nvSpPr>
+        <p:spPr>
+          <a:xfrm>
+            <a:off x="550863" y="2559676"/>
+            <a:ext cx="6668084" cy="1738646"/>
+          </a:xfrm>
+          <a:prstGeom prst="rect">
+            <a:avLst/>
+          </a:prstGeom>
+        </p:spPr>
+        <p:txBody>
+          <a:bodyPr>
+            <a:noAutofit/>
+          </a:bodyPr>
+          <a:lstStyle>
+            <a:lvl1pPr marL="0" indent="0" algn="l" defTabSz="914400" rtl="0" eaLnBrk="1" latinLnBrk="0" hangingPunct="1">
+              <a:lnSpc>
+                <a:spcPct val="110000"/>
+              </a:lnSpc>
+              <a:spcBef>
+                <a:spcPts val="0"/>
+              </a:spcBef>
+              <a:spcAft>
+                <a:spcPts val="1200"/>
+              </a:spcAft>
+              <a:buFont typeface="Arial" panose="020B0604020202020204" pitchFamily="34" charset="0"/>
+              <a:buNone/>
+              <a:defRPr sz="2000" kern="1200">
+                <a:solidFill>
+                  <a:schemeClr val="tx2">
+                    <a:lumMod val="90000"/>
+                    <a:lumOff val="10000"/>
+                  </a:schemeClr>
+                </a:solidFill>
+                <a:latin typeface="+mn-lt"/>
+                <a:ea typeface="+mn-ea"/>
+                <a:cs typeface="+mn-cs"/>
+              </a:defRPr>
+            </a:lvl1pPr>
+            <a:lvl2pPr marL="0" indent="0" algn="l" defTabSz="914400" rtl="0" eaLnBrk="1" latinLnBrk="0" hangingPunct="1">
+              <a:lnSpc>
+                <a:spcPct val="110000"/>
+              </a:lnSpc>
+              <a:spcBef>
+                <a:spcPts val="0"/>
+              </a:spcBef>
+              <a:spcAft>
+                <a:spcPts val="1200"/>
+              </a:spcAft>
+              <a:buFont typeface="Arial" panose="020B0604020202020204" pitchFamily="34" charset="0"/>
+              <a:buNone/>
+              <a:defRPr sz="1800" b="1" kern="1200">
+                <a:solidFill>
+                  <a:schemeClr val="accent1"/>
+                </a:solidFill>
+                <a:latin typeface="+mn-lt"/>
+                <a:ea typeface="+mn-ea"/>
+                <a:cs typeface="+mn-cs"/>
+              </a:defRPr>
+            </a:lvl2pPr>
+            <a:lvl3pPr marL="0" indent="0" algn="l" defTabSz="914400" rtl="0" eaLnBrk="1" latinLnBrk="0" hangingPunct="1">
+              <a:lnSpc>
+                <a:spcPct val="110000"/>
+              </a:lnSpc>
+              <a:spcBef>
+                <a:spcPts val="0"/>
+              </a:spcBef>
+              <a:spcAft>
+                <a:spcPts val="1200"/>
+              </a:spcAft>
+              <a:buClr>
+                <a:schemeClr val="accent1">
+                  <a:lumMod val="50000"/>
+                </a:schemeClr>
+              </a:buClr>
+              <a:buSzPct val="120000"/>
+              <a:buFont typeface="Wingdings" panose="05000000000000000000" pitchFamily="2" charset="2"/>
+              <a:buNone/>
+              <a:defRPr sz="1400" b="1" kern="1200">
+                <a:solidFill>
+                  <a:schemeClr val="tx2"/>
+                </a:solidFill>
+                <a:latin typeface="+mn-lt"/>
+                <a:ea typeface="+mn-ea"/>
+                <a:cs typeface="+mn-cs"/>
+              </a:defRPr>
+            </a:lvl3pPr>
+            <a:lvl4pPr marL="0" indent="0" algn="l" defTabSz="914400" rtl="0" eaLnBrk="1" latinLnBrk="0" hangingPunct="1">
+              <a:lnSpc>
+                <a:spcPct val="110000"/>
+              </a:lnSpc>
+              <a:spcBef>
+                <a:spcPts val="0"/>
+              </a:spcBef>
+              <a:spcAft>
+                <a:spcPts val="1200"/>
+              </a:spcAft>
+              <a:buClr>
+                <a:schemeClr val="accent1">
+                  <a:lumMod val="50000"/>
+                </a:schemeClr>
+              </a:buClr>
+              <a:buFont typeface="+mj-lt"/>
+              <a:buNone/>
+              <a:tabLst>
+                <a:tab pos="269875" algn="l"/>
+              </a:tabLst>
+              <a:defRPr sz="1800" kern="1200">
+                <a:solidFill>
+                  <a:schemeClr val="tx1"/>
+                </a:solidFill>
+                <a:latin typeface="+mn-lt"/>
+                <a:ea typeface="+mn-ea"/>
+                <a:cs typeface="+mn-cs"/>
+              </a:defRPr>
+            </a:lvl4pPr>
+            <a:lvl5pPr marL="0" indent="0" algn="l" defTabSz="914400" rtl="0" eaLnBrk="1" latinLnBrk="0" hangingPunct="1">
+              <a:lnSpc>
+                <a:spcPct val="110000"/>
+              </a:lnSpc>
+              <a:spcBef>
+                <a:spcPts val="0"/>
+              </a:spcBef>
+              <a:spcAft>
+                <a:spcPts val="1200"/>
+              </a:spcAft>
+              <a:buFont typeface="Wingdings" panose="05000000000000000000" pitchFamily="2" charset="2"/>
+              <a:buNone/>
+              <a:defRPr sz="1600" b="0" kern="1200">
+                <a:solidFill>
+                  <a:schemeClr val="accent1"/>
+                </a:solidFill>
+                <a:latin typeface="+mn-lt"/>
+                <a:ea typeface="+mn-ea"/>
+                <a:cs typeface="+mn-cs"/>
+              </a:defRPr>
+            </a:lvl5pPr>
+            <a:lvl6pPr marL="285750" indent="-285750" algn="l" defTabSz="914400" rtl="0" eaLnBrk="1" latinLnBrk="0" hangingPunct="1">
+              <a:lnSpc>
+                <a:spcPct val="110000"/>
+              </a:lnSpc>
+              <a:spcBef>
+                <a:spcPts val="0"/>
+              </a:spcBef>
+              <a:spcAft>
+                <a:spcPts val="1200"/>
+              </a:spcAft>
+              <a:buClr>
+                <a:schemeClr val="accent2"/>
+              </a:buClr>
+              <a:buFont typeface="Wingdings" panose="05000000000000000000" pitchFamily="2" charset="2"/>
+              <a:buChar char="§"/>
+              <a:defRPr sz="1600" b="0" kern="1200">
+                <a:solidFill>
+                  <a:schemeClr val="tx1"/>
+                </a:solidFill>
+                <a:latin typeface="+mn-lt"/>
+                <a:ea typeface="+mn-ea"/>
+                <a:cs typeface="+mn-cs"/>
+              </a:defRPr>
+            </a:lvl6pPr>
+            <a:lvl7pPr marL="271463" indent="-271463" algn="l" defTabSz="914400" rtl="0" eaLnBrk="1" latinLnBrk="0" hangingPunct="1">
+              <a:lnSpc>
+                <a:spcPct val="110000"/>
+              </a:lnSpc>
+              <a:spcBef>
+                <a:spcPts val="0"/>
+              </a:spcBef>
+              <a:spcAft>
+                <a:spcPts val="1200"/>
+              </a:spcAft>
+              <a:buFont typeface="+mj-lt"/>
+              <a:buAutoNum type="arabicPeriod"/>
+              <a:defRPr sz="1600" kern="1200">
+                <a:solidFill>
+                  <a:schemeClr val="tx1"/>
+                </a:solidFill>
+                <a:latin typeface="+mn-lt"/>
+                <a:ea typeface="+mn-ea"/>
+                <a:cs typeface="+mn-cs"/>
+              </a:defRPr>
+            </a:lvl7pPr>
+            <a:lvl8pPr marL="3429000" indent="-228600" algn="l" defTabSz="914400" rtl="0" eaLnBrk="1" latinLnBrk="0" hangingPunct="1">
+              <a:lnSpc>
+                <a:spcPct val="90000"/>
+              </a:lnSpc>
+              <a:spcBef>
+                <a:spcPts val="500"/>
+              </a:spcBef>
+              <a:buFont typeface="Arial" panose="020B0604020202020204" pitchFamily="34" charset="0"/>
+              <a:buChar char="•"/>
+              <a:defRPr sz="1800" kern="1200">
+                <a:solidFill>
+                  <a:schemeClr val="tx1"/>
+                </a:solidFill>
+                <a:latin typeface="+mn-lt"/>
+                <a:ea typeface="+mn-ea"/>
+                <a:cs typeface="+mn-cs"/>
+              </a:defRPr>
+            </a:lvl8pPr>
+            <a:lvl9pPr marL="3886200" indent="-228600" algn="l" defTabSz="914400" rtl="0" eaLnBrk="1" latinLnBrk="0" hangingPunct="1">
+              <a:lnSpc>
+                <a:spcPct val="90000"/>
+              </a:lnSpc>
+              <a:spcBef>
+                <a:spcPts val="500"/>
+              </a:spcBef>
+              <a:buFont typeface="Arial" panose="020B0604020202020204" pitchFamily="34" charset="0"/>
+              <a:buChar char="•"/>
+              <a:defRPr sz="1800" kern="1200">
+                <a:solidFill>
+                  <a:schemeClr val="tx1"/>
+                </a:solidFill>
+                <a:latin typeface="+mn-lt"/>
+                <a:ea typeface="+mn-ea"/>
+                <a:cs typeface="+mn-cs"/>
+              </a:defRPr>
+            </a:lvl9pPr>
+          </a:lstStyle>
+          <a:p>
+            <a:r>
+              <a:rPr lang="ru-RU" dirty="0"/>
+              <a:t>Благодарим за внимание.</a:t>
+            </a:r>
+            <a:endParaRPr lang="en-US" dirty="0"/>
+          </a:p>
+          <a:p>
+            <a:r>
+              <a:rPr lang="ru-RU" dirty="0"/>
+              <a:t>Вы можете найти наше приложение, перейдя по ссылке: </a:t>
+            </a:r>
+            <a:r>
+              <a:rPr lang="en-US" dirty="0">
+                <a:hlinkClick r:id="rId2"/>
+              </a:rPr>
+              <a:t>https://financialcompass.app</a:t>
+            </a:r>
+            <a:r>
+              <a:rPr lang="ru-RU" dirty="0"/>
+              <a:t>, или же наведя камеру на </a:t>
+            </a:r>
+            <a:r>
+              <a:rPr lang="en-US" dirty="0"/>
+              <a:t>QR-</a:t>
+            </a:r>
+            <a:r>
+              <a:rPr lang="ru-RU" dirty="0"/>
+              <a:t>код.</a:t>
+            </a:r>
+            <a:endParaRPr lang="en-US" dirty="0"/>
+          </a:p>
+        </p:txBody>
+      </p:sp>
+      <p:pic>
+        <p:nvPicPr>
+          <p:cNvPr id="12" name="Picture 11">
+            <a:extLst>
+              <a:ext uri="{FF2B5EF4-FFF2-40B4-BE49-F238E27FC236}">
+                <a16:creationId xmlns:a16="http://schemas.microsoft.com/office/drawing/2014/main" id="{D7AAC134-A168-FCCF-3159-126C087241D6}"/>
+              </a:ext>
+            </a:extLst>
+          </p:cNvPr>
+          <p:cNvPicPr>
+            <a:picLocks noChangeAspect="1"/>
+          </p:cNvPicPr>
+          <p:nvPr/>
+        </p:nvPicPr>
+        <p:blipFill>
+          <a:blip r:embed="rId3"/>
+          <a:stretch>
+            <a:fillRect/>
+          </a:stretch>
+        </p:blipFill>
+        <p:spPr>
+          <a:xfrm>
+            <a:off x="7859937" y="2092882"/>
+            <a:ext cx="2672235" cy="2672235"/>
+          </a:xfrm>
+          <a:prstGeom prst="rect">
+            <a:avLst/>
+          </a:prstGeom>
+        </p:spPr>
+      </p:pic>
+    </p:spTree>
+    <p:extLst>
+      <p:ext uri="{BB962C8B-B14F-4D97-AF65-F5344CB8AC3E}">
+        <p14:creationId xmlns:p14="http://schemas.microsoft.com/office/powerpoint/2010/main" val="92788958"/>
+      </p:ext>
+    </p:extLst>
+  </p:cSld>
+  <p:clrMapOvr>
+    <a:masterClrMapping/>
+  </p:clrMapOvr>
+</p:sld>
+</file>
+
+<file path=ppt/slides/slide2.xml><?xml version="1.0" encoding="utf-8"?>
+<p:sld xmlns:a="http://schemas.openxmlformats.org/drawingml/2006/main" xmlns:r="http://schemas.openxmlformats.org/officeDocument/2006/relationships" xmlns:p="http://schemas.openxmlformats.org/presentationml/2006/main">
+  <p:cSld>
+    <p:spTree>
+      <p:nvGrpSpPr>
+        <p:cNvPr id="1" name=""/>
+        <p:cNvGrpSpPr/>
+        <p:nvPr/>
+      </p:nvGrpSpPr>
+      <p:grpSpPr>
+        <a:xfrm>
+          <a:off x="0" y="0"/>
+          <a:ext cx="0" cy="0"/>
+          <a:chOff x="0" y="0"/>
+          <a:chExt cx="0" cy="0"/>
+        </a:xfrm>
+      </p:grpSpPr>
+      <p:sp>
+        <p:nvSpPr>
+          <p:cNvPr id="5" name="Title 4">
+            <a:extLst>
+              <a:ext uri="{FF2B5EF4-FFF2-40B4-BE49-F238E27FC236}">
+                <a16:creationId xmlns:a16="http://schemas.microsoft.com/office/drawing/2014/main" id="{C84385F6-8456-2C72-A534-B9F5E541C07B}"/>
+              </a:ext>
+            </a:extLst>
+          </p:cNvPr>
+          <p:cNvSpPr>
+            <a:spLocks noGrp="1"/>
+          </p:cNvSpPr>
+          <p:nvPr>
+            <p:ph type="title"/>
+          </p:nvPr>
+        </p:nvSpPr>
+        <p:spPr/>
+        <p:txBody>
+          <a:bodyPr/>
+          <a:lstStyle/>
+          <a:p>
+            <a:r>
+              <a:rPr lang="ru-RU" dirty="0"/>
+              <a:t>Цели</a:t>
+            </a:r>
+            <a:endParaRPr lang="en-US" dirty="0"/>
+          </a:p>
+        </p:txBody>
+      </p:sp>
+      <p:sp>
+        <p:nvSpPr>
+          <p:cNvPr id="6" name="Text Placeholder 5">
+            <a:extLst>
+              <a:ext uri="{FF2B5EF4-FFF2-40B4-BE49-F238E27FC236}">
+                <a16:creationId xmlns:a16="http://schemas.microsoft.com/office/drawing/2014/main" id="{5D340031-DE9F-8B27-6210-24CFEE4D35B3}"/>
+              </a:ext>
+            </a:extLst>
+          </p:cNvPr>
+          <p:cNvSpPr>
+            <a:spLocks noGrp="1"/>
+          </p:cNvSpPr>
+          <p:nvPr>
+            <p:ph type="body" sz="quarter" idx="12"/>
+          </p:nvPr>
+        </p:nvSpPr>
+        <p:spPr>
+          <a:xfrm>
+            <a:off x="550863" y="1341438"/>
+            <a:ext cx="9608330" cy="5040312"/>
+          </a:xfrm>
+        </p:spPr>
+        <p:txBody>
+          <a:bodyPr>
+            <a:noAutofit/>
+          </a:bodyPr>
+          <a:lstStyle/>
+          <a:p>
+            <a:r>
+              <a:rPr lang="ru-RU" dirty="0"/>
+              <a:t>Миссия данного проекта заключается в том, чтобы создать простое и удобное приложение, которое поможет отслеживать доходы и расходы пользователя, обеспечивая базовые функции для управления личными финансами.</a:t>
+            </a:r>
+          </a:p>
+          <a:p>
+            <a:r>
+              <a:rPr lang="ru-RU" b="1" dirty="0"/>
+              <a:t>Основная цель</a:t>
+            </a:r>
+            <a:r>
+              <a:rPr lang="ru-RU" dirty="0"/>
+              <a:t> — разработка простого приложения для отслеживания доходов и расходов. Подцелями являются:</a:t>
+            </a:r>
+          </a:p>
+          <a:p>
+            <a:pPr marL="285750" indent="-285750">
+              <a:buClr>
+                <a:schemeClr val="accent2">
+                  <a:lumMod val="75000"/>
+                </a:schemeClr>
+              </a:buClr>
+              <a:buFont typeface="Wingdings" pitchFamily="2" charset="2"/>
+              <a:buChar char="§"/>
+            </a:pPr>
+            <a:r>
+              <a:rPr lang="ru-RU" dirty="0"/>
+              <a:t>Создание интуитивно понятного интерфейса.</a:t>
+            </a:r>
+          </a:p>
+          <a:p>
+            <a:pPr marL="285750" indent="-285750">
+              <a:buClr>
+                <a:schemeClr val="accent2">
+                  <a:lumMod val="75000"/>
+                </a:schemeClr>
+              </a:buClr>
+              <a:buFont typeface="Wingdings" pitchFamily="2" charset="2"/>
+              <a:buChar char="§"/>
+            </a:pPr>
+            <a:r>
+              <a:rPr lang="ru-RU" dirty="0"/>
+              <a:t>Реализация основных функций для ввода и учета доходов и расходов.</a:t>
+            </a:r>
+          </a:p>
+          <a:p>
+            <a:pPr marL="285750" indent="-285750">
+              <a:buClr>
+                <a:schemeClr val="accent2">
+                  <a:lumMod val="75000"/>
+                </a:schemeClr>
+              </a:buClr>
+              <a:buFont typeface="Wingdings" pitchFamily="2" charset="2"/>
+              <a:buChar char="§"/>
+            </a:pPr>
+            <a:r>
+              <a:rPr lang="ru-RU" dirty="0"/>
+              <a:t>Обеспечение безопасности данных пользователей.</a:t>
+            </a:r>
+          </a:p>
+          <a:p>
+            <a:pPr marL="285750" indent="-285750">
+              <a:buClr>
+                <a:schemeClr val="accent2">
+                  <a:lumMod val="75000"/>
+                </a:schemeClr>
+              </a:buClr>
+              <a:buFont typeface="Wingdings" pitchFamily="2" charset="2"/>
+              <a:buChar char="§"/>
+            </a:pPr>
+            <a:r>
+              <a:rPr lang="ru-RU" dirty="0"/>
+              <a:t>Создание простых отчетов для анализа финансового состояния.</a:t>
+            </a:r>
+          </a:p>
+        </p:txBody>
+      </p:sp>
+    </p:spTree>
+    <p:extLst>
+      <p:ext uri="{BB962C8B-B14F-4D97-AF65-F5344CB8AC3E}">
+        <p14:creationId xmlns:p14="http://schemas.microsoft.com/office/powerpoint/2010/main" val="3544707884"/>
+      </p:ext>
+    </p:extLst>
+  </p:cSld>
+  <p:clrMapOvr>
+    <a:masterClrMapping/>
+  </p:clrMapOvr>
+</p:sld>
+</file>
+
+<file path=ppt/slides/slide3.xml><?xml version="1.0" encoding="utf-8"?>
+<p:sld xmlns:a="http://schemas.openxmlformats.org/drawingml/2006/main" xmlns:r="http://schemas.openxmlformats.org/officeDocument/2006/relationships" xmlns:p="http://schemas.openxmlformats.org/presentationml/2006/main">
+  <p:cSld>
+    <p:spTree>
+      <p:nvGrpSpPr>
+        <p:cNvPr id="1" name=""/>
+        <p:cNvGrpSpPr/>
+        <p:nvPr/>
+      </p:nvGrpSpPr>
+      <p:grpSpPr>
+        <a:xfrm>
+          <a:off x="0" y="0"/>
+          <a:ext cx="0" cy="0"/>
+          <a:chOff x="0" y="0"/>
+          <a:chExt cx="0" cy="0"/>
+        </a:xfrm>
+      </p:grpSpPr>
+      <p:sp>
+        <p:nvSpPr>
+          <p:cNvPr id="5" name="Title 4">
+            <a:extLst>
+              <a:ext uri="{FF2B5EF4-FFF2-40B4-BE49-F238E27FC236}">
+                <a16:creationId xmlns:a16="http://schemas.microsoft.com/office/drawing/2014/main" id="{C84385F6-8456-2C72-A534-B9F5E541C07B}"/>
+              </a:ext>
+            </a:extLst>
+          </p:cNvPr>
+          <p:cNvSpPr>
+            <a:spLocks noGrp="1"/>
+          </p:cNvSpPr>
+          <p:nvPr>
+            <p:ph type="title"/>
+          </p:nvPr>
+        </p:nvSpPr>
+        <p:spPr/>
+        <p:txBody>
+          <a:bodyPr/>
+          <a:lstStyle/>
+          <a:p>
+            <a:r>
+              <a:rPr lang="ru-RU" dirty="0"/>
+              <a:t>Задачи</a:t>
+            </a:r>
+            <a:endParaRPr lang="en-US" dirty="0"/>
+          </a:p>
+        </p:txBody>
+      </p:sp>
+      <p:sp>
+        <p:nvSpPr>
+          <p:cNvPr id="6" name="Text Placeholder 5">
+            <a:extLst>
+              <a:ext uri="{FF2B5EF4-FFF2-40B4-BE49-F238E27FC236}">
+                <a16:creationId xmlns:a16="http://schemas.microsoft.com/office/drawing/2014/main" id="{5D340031-DE9F-8B27-6210-24CFEE4D35B3}"/>
+              </a:ext>
+            </a:extLst>
+          </p:cNvPr>
+          <p:cNvSpPr>
+            <a:spLocks noGrp="1"/>
+          </p:cNvSpPr>
+          <p:nvPr>
+            <p:ph type="body" sz="quarter" idx="12"/>
+          </p:nvPr>
+        </p:nvSpPr>
+        <p:spPr>
+          <a:xfrm>
+            <a:off x="550863" y="1341438"/>
+            <a:ext cx="9608330" cy="5040312"/>
+          </a:xfrm>
+        </p:spPr>
+        <p:txBody>
+          <a:bodyPr>
+            <a:normAutofit/>
+          </a:bodyPr>
+          <a:lstStyle/>
+          <a:p>
+            <a:r>
+              <a:rPr lang="ru-RU" dirty="0"/>
+              <a:t>Перед реализацией готового продукта нашей командой были сформулированы следующие задачи:</a:t>
+            </a:r>
+          </a:p>
+          <a:p>
+            <a:pPr marL="342900" indent="-342900">
+              <a:buClr>
+                <a:schemeClr val="accent2">
+                  <a:lumMod val="75000"/>
+                </a:schemeClr>
+              </a:buClr>
+              <a:buFont typeface="Wingdings" pitchFamily="2" charset="2"/>
+              <a:buChar char="§"/>
+            </a:pPr>
+            <a:r>
+              <a:rPr lang="ru-RU" b="1" dirty="0"/>
+              <a:t>Анализ существующих решений на рынке</a:t>
+            </a:r>
+            <a:r>
+              <a:rPr lang="en-US" b="1" dirty="0"/>
+              <a:t>.</a:t>
+            </a:r>
+            <a:r>
+              <a:rPr lang="en-US" dirty="0"/>
+              <a:t> </a:t>
+            </a:r>
+            <a:r>
+              <a:rPr lang="ru-RU" dirty="0"/>
+              <a:t>Изучить и проанализировать популярные приложения для управления личными финансами, выявить их сильные и слабые стороны, а также определить уникальные функции, которые могут помочь привлечь пользователей к нашему приложению.</a:t>
+            </a:r>
+          </a:p>
+          <a:p>
+            <a:pPr marL="342900" indent="-342900">
+              <a:buClr>
+                <a:schemeClr val="accent2">
+                  <a:lumMod val="75000"/>
+                </a:schemeClr>
+              </a:buClr>
+              <a:buFont typeface="Wingdings" pitchFamily="2" charset="2"/>
+              <a:buChar char="§"/>
+            </a:pPr>
+            <a:r>
+              <a:rPr lang="ru-RU" b="1" dirty="0"/>
+              <a:t>Разработка прототипа приложения</a:t>
+            </a:r>
+            <a:r>
+              <a:rPr lang="en-US" b="1" dirty="0"/>
+              <a:t>. </a:t>
+            </a:r>
+            <a:r>
+              <a:rPr lang="ru-RU" dirty="0"/>
+              <a:t>Создать макеты пользовательского интерфейса, разработать информационную схему базы данных.</a:t>
+            </a:r>
+          </a:p>
+          <a:p>
+            <a:pPr marL="342900" indent="-342900">
+              <a:buClr>
+                <a:schemeClr val="accent2">
+                  <a:lumMod val="75000"/>
+                </a:schemeClr>
+              </a:buClr>
+              <a:buFont typeface="Wingdings" pitchFamily="2" charset="2"/>
+              <a:buChar char="§"/>
+            </a:pPr>
+            <a:r>
+              <a:rPr lang="ru-RU" b="1" dirty="0"/>
+              <a:t>Программирование и интеграция функций</a:t>
+            </a:r>
+            <a:r>
+              <a:rPr lang="en-US" b="1" dirty="0"/>
+              <a:t>. </a:t>
+            </a:r>
+            <a:r>
+              <a:rPr lang="ru-RU" dirty="0"/>
+              <a:t>Реализовать предусмотренные дизайном функции приложения, интегрировать их в интерфейс.</a:t>
+            </a:r>
+          </a:p>
+          <a:p>
+            <a:pPr marL="342900" indent="-342900">
+              <a:buClr>
+                <a:schemeClr val="accent2">
+                  <a:lumMod val="75000"/>
+                </a:schemeClr>
+              </a:buClr>
+              <a:buFont typeface="Wingdings" pitchFamily="2" charset="2"/>
+              <a:buChar char="§"/>
+            </a:pPr>
+            <a:r>
+              <a:rPr lang="ru-RU" b="1" dirty="0"/>
+              <a:t>Тестирование и запуск приложения</a:t>
+            </a:r>
+            <a:r>
+              <a:rPr lang="en-US" b="1" dirty="0"/>
+              <a:t>. </a:t>
+            </a:r>
+            <a:r>
+              <a:rPr lang="ru-RU" dirty="0"/>
+              <a:t>Подготовить приложение к использованию и предоставить доступ для пользователей.</a:t>
+            </a:r>
+          </a:p>
+          <a:p>
+            <a:endParaRPr lang="en-US" dirty="0"/>
+          </a:p>
+        </p:txBody>
+      </p:sp>
+    </p:spTree>
+    <p:extLst>
+      <p:ext uri="{BB962C8B-B14F-4D97-AF65-F5344CB8AC3E}">
+        <p14:creationId xmlns:p14="http://schemas.microsoft.com/office/powerpoint/2010/main" val="326564709"/>
+      </p:ext>
+    </p:extLst>
+  </p:cSld>
+  <p:clrMapOvr>
+    <a:masterClrMapping/>
+  </p:clrMapOvr>
+</p:sld>
+</file>
+
+<file path=ppt/slides/slide4.xml><?xml version="1.0" encoding="utf-8"?>
+<p:sld xmlns:a="http://schemas.openxmlformats.org/drawingml/2006/main" xmlns:r="http://schemas.openxmlformats.org/officeDocument/2006/relationships" xmlns:p="http://schemas.openxmlformats.org/presentationml/2006/main">
+  <p:cSld>
+    <p:spTree>
+      <p:nvGrpSpPr>
+        <p:cNvPr id="1" name=""/>
+        <p:cNvGrpSpPr/>
+        <p:nvPr/>
+      </p:nvGrpSpPr>
+      <p:grpSpPr>
+        <a:xfrm>
+          <a:off x="0" y="0"/>
+          <a:ext cx="0" cy="0"/>
+          <a:chOff x="0" y="0"/>
+          <a:chExt cx="0" cy="0"/>
+        </a:xfrm>
+      </p:grpSpPr>
+      <p:sp>
+        <p:nvSpPr>
+          <p:cNvPr id="5" name="Title 4">
+            <a:extLst>
+              <a:ext uri="{FF2B5EF4-FFF2-40B4-BE49-F238E27FC236}">
+                <a16:creationId xmlns:a16="http://schemas.microsoft.com/office/drawing/2014/main" id="{CD9F4D94-FBF3-3E9D-BD05-3C99A049ABEC}"/>
+              </a:ext>
+            </a:extLst>
+          </p:cNvPr>
+          <p:cNvSpPr>
+            <a:spLocks noGrp="1"/>
+          </p:cNvSpPr>
+          <p:nvPr>
+            <p:ph type="title"/>
+          </p:nvPr>
+        </p:nvSpPr>
+        <p:spPr/>
+        <p:txBody>
+          <a:bodyPr/>
+          <a:lstStyle/>
+          <a:p>
+            <a:r>
+              <a:rPr lang="ru-RU" dirty="0"/>
+              <a:t>Диаграмма Исикавы для «Финансового Компаса»</a:t>
+            </a:r>
+            <a:endParaRPr lang="en-US" dirty="0"/>
+          </a:p>
+        </p:txBody>
+      </p:sp>
+      <p:pic>
+        <p:nvPicPr>
+          <p:cNvPr id="7" name="Picture 6">
+            <a:extLst>
+              <a:ext uri="{FF2B5EF4-FFF2-40B4-BE49-F238E27FC236}">
+                <a16:creationId xmlns:a16="http://schemas.microsoft.com/office/drawing/2014/main" id="{033A69D8-A8BA-EFA0-1976-FF081B01E8C3}"/>
+              </a:ext>
+            </a:extLst>
+          </p:cNvPr>
+          <p:cNvPicPr>
+            <a:picLocks noChangeAspect="1"/>
+          </p:cNvPicPr>
+          <p:nvPr/>
+        </p:nvPicPr>
+        <p:blipFill>
+          <a:blip r:embed="rId2"/>
+          <a:stretch>
+            <a:fillRect/>
+          </a:stretch>
+        </p:blipFill>
+        <p:spPr>
+          <a:xfrm>
+            <a:off x="550863" y="1341438"/>
+            <a:ext cx="11090275" cy="4690749"/>
+          </a:xfrm>
+          <a:prstGeom prst="rect">
+            <a:avLst/>
+          </a:prstGeom>
+        </p:spPr>
+      </p:pic>
+    </p:spTree>
+    <p:extLst>
+      <p:ext uri="{BB962C8B-B14F-4D97-AF65-F5344CB8AC3E}">
+        <p14:creationId xmlns:p14="http://schemas.microsoft.com/office/powerpoint/2010/main" val="2281269055"/>
+      </p:ext>
+    </p:extLst>
+  </p:cSld>
+  <p:clrMapOvr>
+    <a:masterClrMapping/>
+  </p:clrMapOvr>
+</p:sld>
+</file>
+
+<file path=ppt/slides/slide5.xml><?xml version="1.0" encoding="utf-8"?>
+<p:sld xmlns:a="http://schemas.openxmlformats.org/drawingml/2006/main" xmlns:r="http://schemas.openxmlformats.org/officeDocument/2006/relationships" xmlns:p="http://schemas.openxmlformats.org/presentationml/2006/main">
+  <p:cSld>
+    <p:spTree>
+      <p:nvGrpSpPr>
+        <p:cNvPr id="1" name=""/>
+        <p:cNvGrpSpPr/>
+        <p:nvPr/>
+      </p:nvGrpSpPr>
+      <p:grpSpPr>
+        <a:xfrm>
+          <a:off x="0" y="0"/>
+          <a:ext cx="0" cy="0"/>
+          <a:chOff x="0" y="0"/>
+          <a:chExt cx="0" cy="0"/>
+        </a:xfrm>
+      </p:grpSpPr>
+      <p:sp>
+        <p:nvSpPr>
+          <p:cNvPr id="2" name="Title 1">
+            <a:extLst>
+              <a:ext uri="{FF2B5EF4-FFF2-40B4-BE49-F238E27FC236}">
+                <a16:creationId xmlns:a16="http://schemas.microsoft.com/office/drawing/2014/main" id="{A37DED3B-262F-4372-5BA0-1FA410A4C660}"/>
+              </a:ext>
+            </a:extLst>
+          </p:cNvPr>
+          <p:cNvSpPr>
+            <a:spLocks noGrp="1"/>
+          </p:cNvSpPr>
+          <p:nvPr>
+            <p:ph type="title"/>
+          </p:nvPr>
+        </p:nvSpPr>
+        <p:spPr/>
+        <p:txBody>
+          <a:bodyPr/>
+          <a:lstStyle/>
+          <a:p>
+            <a:r>
+              <a:rPr lang="ru-RU" dirty="0"/>
+              <a:t>Исследование приложений-конкурентов</a:t>
+            </a:r>
+            <a:endParaRPr lang="en-US" dirty="0"/>
+          </a:p>
+        </p:txBody>
+      </p:sp>
+      <p:sp>
+        <p:nvSpPr>
+          <p:cNvPr id="3" name="Text Placeholder 2">
+            <a:extLst>
+              <a:ext uri="{FF2B5EF4-FFF2-40B4-BE49-F238E27FC236}">
+                <a16:creationId xmlns:a16="http://schemas.microsoft.com/office/drawing/2014/main" id="{7AAED701-12FA-7649-8225-8C73EAB82163}"/>
+              </a:ext>
+            </a:extLst>
+          </p:cNvPr>
+          <p:cNvSpPr>
+            <a:spLocks noGrp="1"/>
+          </p:cNvSpPr>
+          <p:nvPr>
+            <p:ph type="body" sz="quarter" idx="12"/>
+          </p:nvPr>
+        </p:nvSpPr>
+        <p:spPr/>
+        <p:txBody>
+          <a:bodyPr/>
+          <a:lstStyle/>
+          <a:p>
+            <a:endParaRPr lang="en-US" dirty="0"/>
+          </a:p>
+        </p:txBody>
+      </p:sp>
+    </p:spTree>
+    <p:extLst>
+      <p:ext uri="{BB962C8B-B14F-4D97-AF65-F5344CB8AC3E}">
+        <p14:creationId xmlns:p14="http://schemas.microsoft.com/office/powerpoint/2010/main" val="1401544546"/>
+      </p:ext>
+    </p:extLst>
+  </p:cSld>
+  <p:clrMapOvr>
+    <a:masterClrMapping/>
+  </p:clrMapOvr>
+</p:sld>
+</file>
+
+<file path=ppt/slides/slide6.xml><?xml version="1.0" encoding="utf-8"?>
+<p:sld xmlns:a="http://schemas.openxmlformats.org/drawingml/2006/main" xmlns:r="http://schemas.openxmlformats.org/officeDocument/2006/relationships" xmlns:p="http://schemas.openxmlformats.org/presentationml/2006/main">
+  <p:cSld>
+    <p:spTree>
+      <p:nvGrpSpPr>
+        <p:cNvPr id="1" name=""/>
+        <p:cNvGrpSpPr/>
+        <p:nvPr/>
+      </p:nvGrpSpPr>
+      <p:grpSpPr>
+        <a:xfrm>
+          <a:off x="0" y="0"/>
+          <a:ext cx="0" cy="0"/>
+          <a:chOff x="0" y="0"/>
+          <a:chExt cx="0" cy="0"/>
+        </a:xfrm>
+      </p:grpSpPr>
+      <p:sp>
+        <p:nvSpPr>
+          <p:cNvPr id="2" name="Title 1">
+            <a:extLst>
+              <a:ext uri="{FF2B5EF4-FFF2-40B4-BE49-F238E27FC236}">
+                <a16:creationId xmlns:a16="http://schemas.microsoft.com/office/drawing/2014/main" id="{A37DED3B-262F-4372-5BA0-1FA410A4C660}"/>
+              </a:ext>
+            </a:extLst>
+          </p:cNvPr>
+          <p:cNvSpPr>
+            <a:spLocks noGrp="1"/>
+          </p:cNvSpPr>
+          <p:nvPr>
+            <p:ph type="title"/>
+          </p:nvPr>
+        </p:nvSpPr>
+        <p:spPr/>
+        <p:txBody>
+          <a:bodyPr/>
+          <a:lstStyle/>
+          <a:p>
+            <a:r>
+              <a:rPr lang="ru-RU" dirty="0"/>
+              <a:t>Исследование приложений-конкурентов</a:t>
+            </a:r>
+            <a:endParaRPr lang="en-US" dirty="0"/>
+          </a:p>
+        </p:txBody>
+      </p:sp>
+      <p:sp>
+        <p:nvSpPr>
+          <p:cNvPr id="3" name="Text Placeholder 2">
+            <a:extLst>
+              <a:ext uri="{FF2B5EF4-FFF2-40B4-BE49-F238E27FC236}">
+                <a16:creationId xmlns:a16="http://schemas.microsoft.com/office/drawing/2014/main" id="{7AAED701-12FA-7649-8225-8C73EAB82163}"/>
+              </a:ext>
+            </a:extLst>
+          </p:cNvPr>
+          <p:cNvSpPr>
+            <a:spLocks noGrp="1"/>
+          </p:cNvSpPr>
+          <p:nvPr>
+            <p:ph type="body" sz="quarter" idx="12"/>
+          </p:nvPr>
+        </p:nvSpPr>
+        <p:spPr/>
+        <p:txBody>
+          <a:bodyPr/>
+          <a:lstStyle/>
+          <a:p>
+            <a:endParaRPr lang="en-US" dirty="0"/>
+          </a:p>
+        </p:txBody>
+      </p:sp>
+    </p:spTree>
+    <p:extLst>
+      <p:ext uri="{BB962C8B-B14F-4D97-AF65-F5344CB8AC3E}">
+        <p14:creationId xmlns:p14="http://schemas.microsoft.com/office/powerpoint/2010/main" val="585591163"/>
+      </p:ext>
+    </p:extLst>
+  </p:cSld>
+  <p:clrMapOvr>
+    <a:masterClrMapping/>
+  </p:clrMapOvr>
+</p:sld>
+</file>
+
+<file path=ppt/slides/slide7.xml><?xml version="1.0" encoding="utf-8"?>
+<p:sld xmlns:a="http://schemas.openxmlformats.org/drawingml/2006/main" xmlns:r="http://schemas.openxmlformats.org/officeDocument/2006/relationships" xmlns:p="http://schemas.openxmlformats.org/presentationml/2006/main">
+  <p:cSld>
+    <p:spTree>
+      <p:nvGrpSpPr>
+        <p:cNvPr id="1" name=""/>
+        <p:cNvGrpSpPr/>
+        <p:nvPr/>
+      </p:nvGrpSpPr>
+      <p:grpSpPr>
+        <a:xfrm>
+          <a:off x="0" y="0"/>
+          <a:ext cx="0" cy="0"/>
+          <a:chOff x="0" y="0"/>
+          <a:chExt cx="0" cy="0"/>
+        </a:xfrm>
+      </p:grpSpPr>
+      <p:sp>
+        <p:nvSpPr>
+          <p:cNvPr id="2" name="Title 1">
+            <a:extLst>
+              <a:ext uri="{FF2B5EF4-FFF2-40B4-BE49-F238E27FC236}">
+                <a16:creationId xmlns:a16="http://schemas.microsoft.com/office/drawing/2014/main" id="{A37DED3B-262F-4372-5BA0-1FA410A4C660}"/>
+              </a:ext>
+            </a:extLst>
+          </p:cNvPr>
+          <p:cNvSpPr>
+            <a:spLocks noGrp="1"/>
+          </p:cNvSpPr>
+          <p:nvPr>
+            <p:ph type="title"/>
+          </p:nvPr>
+        </p:nvSpPr>
+        <p:spPr/>
+        <p:txBody>
+          <a:bodyPr/>
+          <a:lstStyle/>
+          <a:p>
+            <a:r>
+              <a:rPr lang="ru-RU" dirty="0"/>
+              <a:t>Исследование приложений-конкурентов</a:t>
+            </a:r>
+            <a:endParaRPr lang="en-US" dirty="0"/>
+          </a:p>
+        </p:txBody>
+      </p:sp>
+      <p:sp>
+        <p:nvSpPr>
+          <p:cNvPr id="3" name="Text Placeholder 2">
+            <a:extLst>
+              <a:ext uri="{FF2B5EF4-FFF2-40B4-BE49-F238E27FC236}">
+                <a16:creationId xmlns:a16="http://schemas.microsoft.com/office/drawing/2014/main" id="{7AAED701-12FA-7649-8225-8C73EAB82163}"/>
+              </a:ext>
+            </a:extLst>
+          </p:cNvPr>
+          <p:cNvSpPr>
+            <a:spLocks noGrp="1"/>
+          </p:cNvSpPr>
+          <p:nvPr>
+            <p:ph type="body" sz="quarter" idx="12"/>
+          </p:nvPr>
+        </p:nvSpPr>
+        <p:spPr/>
+        <p:txBody>
+          <a:bodyPr/>
+          <a:lstStyle/>
+          <a:p>
+            <a:endParaRPr lang="en-US" dirty="0"/>
+          </a:p>
+        </p:txBody>
+      </p:sp>
+    </p:spTree>
+    <p:extLst>
+      <p:ext uri="{BB962C8B-B14F-4D97-AF65-F5344CB8AC3E}">
+        <p14:creationId xmlns:p14="http://schemas.microsoft.com/office/powerpoint/2010/main" val="438983321"/>
+      </p:ext>
+    </p:extLst>
+  </p:cSld>
+  <p:clrMapOvr>
+    <a:masterClrMapping/>
+  </p:clrMapOvr>
+</p:sld>
+</file>
+
+<file path=ppt/slides/slide8.xml><?xml version="1.0" encoding="utf-8"?>
+<p:sld xmlns:a="http://schemas.openxmlformats.org/drawingml/2006/main" xmlns:r="http://schemas.openxmlformats.org/officeDocument/2006/relationships" xmlns:p="http://schemas.openxmlformats.org/presentationml/2006/main">
+  <p:cSld>
+    <p:spTree>
+      <p:nvGrpSpPr>
+        <p:cNvPr id="1" name=""/>
+        <p:cNvGrpSpPr/>
+        <p:nvPr/>
+      </p:nvGrpSpPr>
+      <p:grpSpPr>
+        <a:xfrm>
+          <a:off x="0" y="0"/>
+          <a:ext cx="0" cy="0"/>
+          <a:chOff x="0" y="0"/>
+          <a:chExt cx="0" cy="0"/>
+        </a:xfrm>
+      </p:grpSpPr>
+      <p:sp>
+        <p:nvSpPr>
+          <p:cNvPr id="2" name="Title 1">
+            <a:extLst>
+              <a:ext uri="{FF2B5EF4-FFF2-40B4-BE49-F238E27FC236}">
+                <a16:creationId xmlns:a16="http://schemas.microsoft.com/office/drawing/2014/main" id="{A37DED3B-262F-4372-5BA0-1FA410A4C660}"/>
+              </a:ext>
+            </a:extLst>
+          </p:cNvPr>
+          <p:cNvSpPr>
+            <a:spLocks noGrp="1"/>
+          </p:cNvSpPr>
+          <p:nvPr>
+            <p:ph type="title"/>
+          </p:nvPr>
+        </p:nvSpPr>
+        <p:spPr/>
+        <p:txBody>
+          <a:bodyPr/>
+          <a:lstStyle/>
+          <a:p>
+            <a:r>
+              <a:rPr lang="ru-RU" dirty="0"/>
+              <a:t>Дизайн и прототипирование</a:t>
+            </a:r>
+            <a:endParaRPr lang="en-US" dirty="0"/>
+          </a:p>
+        </p:txBody>
+      </p:sp>
+      <p:sp>
+        <p:nvSpPr>
+          <p:cNvPr id="3" name="Text Placeholder 2">
+            <a:extLst>
+              <a:ext uri="{FF2B5EF4-FFF2-40B4-BE49-F238E27FC236}">
+                <a16:creationId xmlns:a16="http://schemas.microsoft.com/office/drawing/2014/main" id="{7AAED701-12FA-7649-8225-8C73EAB82163}"/>
+              </a:ext>
+            </a:extLst>
+          </p:cNvPr>
+          <p:cNvSpPr>
+            <a:spLocks noGrp="1"/>
+          </p:cNvSpPr>
+          <p:nvPr>
+            <p:ph type="body" sz="quarter" idx="12"/>
+          </p:nvPr>
+        </p:nvSpPr>
+        <p:spPr/>
+        <p:txBody>
+          <a:bodyPr/>
+          <a:lstStyle/>
+          <a:p>
+            <a:endParaRPr lang="en-US" dirty="0"/>
+          </a:p>
+        </p:txBody>
+      </p:sp>
+    </p:spTree>
+    <p:extLst>
+      <p:ext uri="{BB962C8B-B14F-4D97-AF65-F5344CB8AC3E}">
+        <p14:creationId xmlns:p14="http://schemas.microsoft.com/office/powerpoint/2010/main" val="3816080302"/>
+      </p:ext>
+    </p:extLst>
+  </p:cSld>
+  <p:clrMapOvr>
+    <a:masterClrMapping/>
+  </p:clrMapOvr>
+</p:sld>
+</file>
+
+<file path=ppt/slides/slide9.xml><?xml version="1.0" encoding="utf-8"?>
+<p:sld xmlns:a="http://schemas.openxmlformats.org/drawingml/2006/main" xmlns:r="http://schemas.openxmlformats.org/officeDocument/2006/relationships" xmlns:p="http://schemas.openxmlformats.org/presentationml/2006/main">
+  <p:cSld>
+    <p:spTree>
+      <p:nvGrpSpPr>
+        <p:cNvPr id="1" name=""/>
+        <p:cNvGrpSpPr/>
+        <p:nvPr/>
+      </p:nvGrpSpPr>
+      <p:grpSpPr>
+        <a:xfrm>
+          <a:off x="0" y="0"/>
+          <a:ext cx="0" cy="0"/>
+          <a:chOff x="0" y="0"/>
+          <a:chExt cx="0" cy="0"/>
+        </a:xfrm>
+      </p:grpSpPr>
+      <p:sp>
+        <p:nvSpPr>
+          <p:cNvPr id="2" name="Title 1">
+            <a:extLst>
+              <a:ext uri="{FF2B5EF4-FFF2-40B4-BE49-F238E27FC236}">
+                <a16:creationId xmlns:a16="http://schemas.microsoft.com/office/drawing/2014/main" id="{A37DED3B-262F-4372-5BA0-1FA410A4C660}"/>
+              </a:ext>
+            </a:extLst>
+          </p:cNvPr>
+          <p:cNvSpPr>
+            <a:spLocks noGrp="1"/>
+          </p:cNvSpPr>
+          <p:nvPr>
+            <p:ph type="title"/>
+          </p:nvPr>
+        </p:nvSpPr>
+        <p:spPr/>
+        <p:txBody>
+          <a:bodyPr/>
+          <a:lstStyle/>
+          <a:p>
+            <a:r>
+              <a:rPr lang="ru-RU" dirty="0"/>
+              <a:t>Дизайн и прототипирование</a:t>
+            </a:r>
+            <a:endParaRPr lang="en-US" dirty="0"/>
+          </a:p>
+        </p:txBody>
+      </p:sp>
+      <p:sp>
+        <p:nvSpPr>
+          <p:cNvPr id="3" name="Text Placeholder 2">
+            <a:extLst>
+              <a:ext uri="{FF2B5EF4-FFF2-40B4-BE49-F238E27FC236}">
+                <a16:creationId xmlns:a16="http://schemas.microsoft.com/office/drawing/2014/main" id="{7AAED701-12FA-7649-8225-8C73EAB82163}"/>
+              </a:ext>
+            </a:extLst>
+          </p:cNvPr>
+          <p:cNvSpPr>
+            <a:spLocks noGrp="1"/>
+          </p:cNvSpPr>
+          <p:nvPr>
+            <p:ph type="body" sz="quarter" idx="12"/>
+          </p:nvPr>
+        </p:nvSpPr>
+        <p:spPr/>
+        <p:txBody>
+          <a:bodyPr/>
+          <a:lstStyle/>
+          <a:p>
+            <a:endParaRPr lang="en-US" dirty="0"/>
+          </a:p>
+        </p:txBody>
+      </p:sp>
+    </p:spTree>
+    <p:extLst>
+      <p:ext uri="{BB962C8B-B14F-4D97-AF65-F5344CB8AC3E}">
+        <p14:creationId xmlns:p14="http://schemas.microsoft.com/office/powerpoint/2010/main" val="3006978441"/>
       </p:ext>
     </p:extLst>
   </p:cSld>
